--- a/prezi_ssp.pptx
+++ b/prezi_ssp.pptx
@@ -1,22 +1,20 @@
 
 <file path=ppt/presentation.xml><?xml version="1.0" encoding="utf-8"?>
-<p:presentation xmlns:a="http://schemas.openxmlformats.org/drawingml/2006/main" xmlns:r="http://schemas.openxmlformats.org/officeDocument/2006/relationships" xmlns:p="http://schemas.openxmlformats.org/presentationml/2006/main" serverZoom="100000" compatMode="1" strictFirstAndLastChars="0" saveSubsetFonts="1">
+<p:presentation xmlns:a="http://schemas.openxmlformats.org/drawingml/2006/main" xmlns:r="http://schemas.openxmlformats.org/officeDocument/2006/relationships" xmlns:p="http://schemas.openxmlformats.org/presentationml/2006/main" serverZoom="100000" strictFirstAndLastChars="0" saveSubsetFonts="1">
   <p:sldMasterIdLst>
     <p:sldMasterId id="2147483672" r:id="rId1"/>
-    <p:sldMasterId id="2147483684" r:id="rId2"/>
   </p:sldMasterIdLst>
   <p:notesMasterIdLst>
-    <p:notesMasterId r:id="rId11"/>
+    <p:notesMasterId r:id="rId9"/>
   </p:notesMasterIdLst>
   <p:sldIdLst>
-    <p:sldId id="256" r:id="rId3"/>
-    <p:sldId id="258" r:id="rId4"/>
-    <p:sldId id="259" r:id="rId5"/>
-    <p:sldId id="260" r:id="rId6"/>
-    <p:sldId id="261" r:id="rId7"/>
-    <p:sldId id="262" r:id="rId8"/>
-    <p:sldId id="263" r:id="rId9"/>
-    <p:sldId id="257" r:id="rId10"/>
+    <p:sldId id="256" r:id="rId2"/>
+    <p:sldId id="258" r:id="rId3"/>
+    <p:sldId id="259" r:id="rId4"/>
+    <p:sldId id="260" r:id="rId5"/>
+    <p:sldId id="261" r:id="rId6"/>
+    <p:sldId id="262" r:id="rId7"/>
+    <p:sldId id="263" r:id="rId8"/>
   </p:sldIdLst>
   <p:sldSz cx="13433425" cy="7556500"/>
   <p:notesSz cx="6858000" cy="9144000"/>
@@ -649,7 +647,7 @@
               <a:pPr>
                 <a:defRPr/>
               </a:pPr>
-              <a:t>1/20/25</a:t>
+              <a:t>1/21/2025</a:t>
             </a:fld>
             <a:endParaRPr lang="en-US"/>
           </a:p>
@@ -859,7 +857,7 @@
               <a:pPr>
                 <a:defRPr/>
               </a:pPr>
-              <a:t>1/20/25</a:t>
+              <a:t>1/21/2025</a:t>
             </a:fld>
             <a:endParaRPr lang="en-US"/>
           </a:p>
@@ -1079,7 +1077,7 @@
               <a:pPr>
                 <a:defRPr/>
               </a:pPr>
-              <a:t>1/20/25</a:t>
+              <a:t>1/21/2025</a:t>
             </a:fld>
             <a:endParaRPr lang="en-US"/>
           </a:p>
@@ -1164,239 +1162,7 @@
 </p:sldLayout>
 </file>
 
-<file path=ppt/slideLayouts/slideLayout12.xml><?xml version="1.0" encoding="utf-8"?>
-<p:sldLayout xmlns:a="http://schemas.openxmlformats.org/drawingml/2006/main" xmlns:r="http://schemas.openxmlformats.org/officeDocument/2006/relationships" xmlns:p="http://schemas.openxmlformats.org/presentationml/2006/main" type="title" preserve="1">
-  <p:cSld name="Slajd tytułowy">
-    <p:spTree>
-      <p:nvGrpSpPr>
-        <p:cNvPr id="1" name=""/>
-        <p:cNvGrpSpPr/>
-        <p:nvPr/>
-      </p:nvGrpSpPr>
-      <p:grpSpPr>
-        <a:xfrm>
-          <a:off x="0" y="0"/>
-          <a:ext cx="0" cy="0"/>
-          <a:chOff x="0" y="0"/>
-          <a:chExt cx="0" cy="0"/>
-        </a:xfrm>
-      </p:grpSpPr>
-      <p:sp>
-        <p:nvSpPr>
-          <p:cNvPr id="2" name="Title 1"/>
-          <p:cNvSpPr>
-            <a:spLocks noGrp="1"/>
-          </p:cNvSpPr>
-          <p:nvPr>
-            <p:ph type="ctrTitle"/>
-          </p:nvPr>
-        </p:nvSpPr>
-        <p:spPr>
-          <a:xfrm>
-            <a:off x="1679178" y="1236678"/>
-            <a:ext cx="10075069" cy="2630781"/>
-          </a:xfrm>
-        </p:spPr>
-        <p:txBody>
-          <a:bodyPr anchor="b"/>
-          <a:lstStyle>
-            <a:lvl1pPr algn="ctr">
-              <a:defRPr sz="6611"/>
-            </a:lvl1pPr>
-          </a:lstStyle>
-          <a:p>
-            <a:r>
-              <a:rPr lang="pl-PL"/>
-              <a:t>Kliknij, aby edytować styl</a:t>
-            </a:r>
-            <a:endParaRPr lang="en-US" dirty="0"/>
-          </a:p>
-        </p:txBody>
-      </p:sp>
-      <p:sp>
-        <p:nvSpPr>
-          <p:cNvPr id="3" name="Subtitle 2"/>
-          <p:cNvSpPr>
-            <a:spLocks noGrp="1"/>
-          </p:cNvSpPr>
-          <p:nvPr>
-            <p:ph type="subTitle" idx="1"/>
-          </p:nvPr>
-        </p:nvSpPr>
-        <p:spPr>
-          <a:xfrm>
-            <a:off x="1679178" y="3968912"/>
-            <a:ext cx="10075069" cy="1824404"/>
-          </a:xfrm>
-        </p:spPr>
-        <p:txBody>
-          <a:bodyPr/>
-          <a:lstStyle>
-            <a:lvl1pPr marL="0" indent="0" algn="ctr">
-              <a:buNone/>
-              <a:defRPr sz="2644"/>
-            </a:lvl1pPr>
-            <a:lvl2pPr marL="503743" indent="0" algn="ctr">
-              <a:buNone/>
-              <a:defRPr sz="2204"/>
-            </a:lvl2pPr>
-            <a:lvl3pPr marL="1007486" indent="0" algn="ctr">
-              <a:buNone/>
-              <a:defRPr sz="1983"/>
-            </a:lvl3pPr>
-            <a:lvl4pPr marL="1511229" indent="0" algn="ctr">
-              <a:buNone/>
-              <a:defRPr sz="1763"/>
-            </a:lvl4pPr>
-            <a:lvl5pPr marL="2014972" indent="0" algn="ctr">
-              <a:buNone/>
-              <a:defRPr sz="1763"/>
-            </a:lvl5pPr>
-            <a:lvl6pPr marL="2518715" indent="0" algn="ctr">
-              <a:buNone/>
-              <a:defRPr sz="1763"/>
-            </a:lvl6pPr>
-            <a:lvl7pPr marL="3022458" indent="0" algn="ctr">
-              <a:buNone/>
-              <a:defRPr sz="1763"/>
-            </a:lvl7pPr>
-            <a:lvl8pPr marL="3526201" indent="0" algn="ctr">
-              <a:buNone/>
-              <a:defRPr sz="1763"/>
-            </a:lvl8pPr>
-            <a:lvl9pPr marL="4029944" indent="0" algn="ctr">
-              <a:buNone/>
-              <a:defRPr sz="1763"/>
-            </a:lvl9pPr>
-          </a:lstStyle>
-          <a:p>
-            <a:r>
-              <a:rPr lang="pl-PL"/>
-              <a:t>Kliknij, aby edytować styl wzorca podtytułu</a:t>
-            </a:r>
-            <a:endParaRPr lang="en-US" dirty="0"/>
-          </a:p>
-        </p:txBody>
-      </p:sp>
-      <p:sp>
-        <p:nvSpPr>
-          <p:cNvPr id="4" name="Date Placeholder 3">
-            <a:extLst>
-              <a:ext uri="{FF2B5EF4-FFF2-40B4-BE49-F238E27FC236}">
-                <a16:creationId xmlns:a16="http://schemas.microsoft.com/office/drawing/2014/main" id="{4A841E3C-6C35-4ED1-64BA-D4F4EE8DF1EB}"/>
-              </a:ext>
-            </a:extLst>
-          </p:cNvPr>
-          <p:cNvSpPr>
-            <a:spLocks noGrp="1"/>
-          </p:cNvSpPr>
-          <p:nvPr>
-            <p:ph type="dt" sz="half" idx="10"/>
-          </p:nvPr>
-        </p:nvSpPr>
-        <p:spPr/>
-        <p:txBody>
-          <a:bodyPr/>
-          <a:lstStyle>
-            <a:lvl1pPr>
-              <a:defRPr/>
-            </a:lvl1pPr>
-          </a:lstStyle>
-          <a:p>
-            <a:pPr>
-              <a:defRPr/>
-            </a:pPr>
-            <a:fld id="{AF082A03-A8E1-E648-AA0C-CB6BF53C43A2}" type="datetimeFigureOut">
-              <a:rPr lang="en-US"/>
-              <a:pPr>
-                <a:defRPr/>
-              </a:pPr>
-              <a:t>1/20/25</a:t>
-            </a:fld>
-            <a:endParaRPr lang="en-US"/>
-          </a:p>
-        </p:txBody>
-      </p:sp>
-      <p:sp>
-        <p:nvSpPr>
-          <p:cNvPr id="5" name="Footer Placeholder 4">
-            <a:extLst>
-              <a:ext uri="{FF2B5EF4-FFF2-40B4-BE49-F238E27FC236}">
-                <a16:creationId xmlns:a16="http://schemas.microsoft.com/office/drawing/2014/main" id="{813FC68E-1249-FA08-85F0-10BA3C92A945}"/>
-              </a:ext>
-            </a:extLst>
-          </p:cNvPr>
-          <p:cNvSpPr>
-            <a:spLocks noGrp="1"/>
-          </p:cNvSpPr>
-          <p:nvPr>
-            <p:ph type="ftr" sz="quarter" idx="11"/>
-          </p:nvPr>
-        </p:nvSpPr>
-        <p:spPr/>
-        <p:txBody>
-          <a:bodyPr/>
-          <a:lstStyle>
-            <a:lvl1pPr>
-              <a:defRPr/>
-            </a:lvl1pPr>
-          </a:lstStyle>
-          <a:p>
-            <a:pPr>
-              <a:defRPr/>
-            </a:pPr>
-            <a:endParaRPr lang="en-US"/>
-          </a:p>
-        </p:txBody>
-      </p:sp>
-      <p:sp>
-        <p:nvSpPr>
-          <p:cNvPr id="6" name="Slide Number Placeholder 5">
-            <a:extLst>
-              <a:ext uri="{FF2B5EF4-FFF2-40B4-BE49-F238E27FC236}">
-                <a16:creationId xmlns:a16="http://schemas.microsoft.com/office/drawing/2014/main" id="{ADBCF6BA-C3EE-8F8F-E5EC-9F95DD5D182A}"/>
-              </a:ext>
-            </a:extLst>
-          </p:cNvPr>
-          <p:cNvSpPr>
-            <a:spLocks noGrp="1"/>
-          </p:cNvSpPr>
-          <p:nvPr>
-            <p:ph type="sldNum" sz="quarter" idx="12"/>
-          </p:nvPr>
-        </p:nvSpPr>
-        <p:spPr/>
-        <p:txBody>
-          <a:bodyPr/>
-          <a:lstStyle>
-            <a:lvl1pPr>
-              <a:defRPr/>
-            </a:lvl1pPr>
-          </a:lstStyle>
-          <a:p>
-            <a:fld id="{0D198A14-A3FA-2548-BD15-F40F52D44350}" type="slidenum">
-              <a:rPr lang="en-US" altLang="pl-PL"/>
-              <a:pPr/>
-              <a:t>‹#›</a:t>
-            </a:fld>
-            <a:endParaRPr lang="en-US" altLang="pl-PL"/>
-          </a:p>
-        </p:txBody>
-      </p:sp>
-    </p:spTree>
-    <p:extLst>
-      <p:ext uri="{BB962C8B-B14F-4D97-AF65-F5344CB8AC3E}">
-        <p14:creationId xmlns:p14="http://schemas.microsoft.com/office/powerpoint/2010/main" val="3767443696"/>
-      </p:ext>
-    </p:extLst>
-  </p:cSld>
-  <p:clrMapOvr>
-    <a:masterClrMapping/>
-  </p:clrMapOvr>
-</p:sldLayout>
-</file>
-
-<file path=ppt/slideLayouts/slideLayout13.xml><?xml version="1.0" encoding="utf-8"?>
+<file path=ppt/slideLayouts/slideLayout2.xml><?xml version="1.0" encoding="utf-8"?>
 <p:sldLayout xmlns:a="http://schemas.openxmlformats.org/drawingml/2006/main" xmlns:r="http://schemas.openxmlformats.org/officeDocument/2006/relationships" xmlns:p="http://schemas.openxmlformats.org/presentationml/2006/main" type="obj" preserve="1">
   <p:cSld name="Tytuł i zawartość">
     <p:spTree>
@@ -1493,7 +1259,7 @@
           <p:cNvPr id="4" name="Date Placeholder 3">
             <a:extLst>
               <a:ext uri="{FF2B5EF4-FFF2-40B4-BE49-F238E27FC236}">
-                <a16:creationId xmlns:a16="http://schemas.microsoft.com/office/drawing/2014/main" id="{4DA580E1-2549-4601-C5BE-48B5C37E2E85}"/>
+                <a16:creationId xmlns:a16="http://schemas.microsoft.com/office/drawing/2014/main" id="{48DADE0E-146A-6E8A-023A-2A8D5CF6F1F9}"/>
               </a:ext>
             </a:extLst>
           </p:cNvPr>
@@ -1516,12 +1282,12 @@
             <a:pPr>
               <a:defRPr/>
             </a:pPr>
-            <a:fld id="{F4BF010E-609C-4C4E-AAA7-134F33F97708}" type="datetimeFigureOut">
+            <a:fld id="{1F39103B-78A5-7345-9CDA-F01B96C826AD}" type="datetimeFigureOut">
               <a:rPr lang="en-US"/>
               <a:pPr>
                 <a:defRPr/>
               </a:pPr>
-              <a:t>1/20/25</a:t>
+              <a:t>1/21/2025</a:t>
             </a:fld>
             <a:endParaRPr lang="en-US"/>
           </a:p>
@@ -1532,7 +1298,7 @@
           <p:cNvPr id="5" name="Footer Placeholder 4">
             <a:extLst>
               <a:ext uri="{FF2B5EF4-FFF2-40B4-BE49-F238E27FC236}">
-                <a16:creationId xmlns:a16="http://schemas.microsoft.com/office/drawing/2014/main" id="{FA497697-F3A8-BA73-0F1A-E40333EDBDB5}"/>
+                <a16:creationId xmlns:a16="http://schemas.microsoft.com/office/drawing/2014/main" id="{5ACC7497-6AA6-34C5-A360-ABA581DA54C1}"/>
               </a:ext>
             </a:extLst>
           </p:cNvPr>
@@ -1564,7 +1330,7 @@
           <p:cNvPr id="6" name="Slide Number Placeholder 5">
             <a:extLst>
               <a:ext uri="{FF2B5EF4-FFF2-40B4-BE49-F238E27FC236}">
-                <a16:creationId xmlns:a16="http://schemas.microsoft.com/office/drawing/2014/main" id="{154B0ACB-8FA5-F3AE-BDC0-E441EAE2F176}"/>
+                <a16:creationId xmlns:a16="http://schemas.microsoft.com/office/drawing/2014/main" id="{9203BD18-56FE-213B-A3E4-3C7C1921B9FE}"/>
               </a:ext>
             </a:extLst>
           </p:cNvPr>
@@ -1584,7 +1350,7 @@
             </a:lvl1pPr>
           </a:lstStyle>
           <a:p>
-            <a:fld id="{C019BB9E-7AF3-1F4C-A73B-5DE83195B95E}" type="slidenum">
+            <a:fld id="{43670625-C3A6-484F-8F1E-8B824988E49A}" type="slidenum">
               <a:rPr lang="en-US" altLang="pl-PL"/>
               <a:pPr/>
               <a:t>‹#›</a:t>
@@ -1596,7 +1362,7 @@
     </p:spTree>
     <p:extLst>
       <p:ext uri="{BB962C8B-B14F-4D97-AF65-F5344CB8AC3E}">
-        <p14:creationId xmlns:p14="http://schemas.microsoft.com/office/powerpoint/2010/main" val="688005418"/>
+        <p14:creationId xmlns:p14="http://schemas.microsoft.com/office/powerpoint/2010/main" val="5195739"/>
       </p:ext>
     </p:extLst>
   </p:cSld>
@@ -1606,7 +1372,7 @@
 </p:sldLayout>
 </file>
 
-<file path=ppt/slideLayouts/slideLayout14.xml><?xml version="1.0" encoding="utf-8"?>
+<file path=ppt/slideLayouts/slideLayout3.xml><?xml version="1.0" encoding="utf-8"?>
 <p:sldLayout xmlns:a="http://schemas.openxmlformats.org/drawingml/2006/main" xmlns:r="http://schemas.openxmlformats.org/officeDocument/2006/relationships" xmlns:p="http://schemas.openxmlformats.org/presentationml/2006/main" type="secHead" preserve="1">
   <p:cSld name="Nagłówek sekcji">
     <p:spTree>
@@ -1779,7 +1545,7 @@
           <p:cNvPr id="4" name="Date Placeholder 3">
             <a:extLst>
               <a:ext uri="{FF2B5EF4-FFF2-40B4-BE49-F238E27FC236}">
-                <a16:creationId xmlns:a16="http://schemas.microsoft.com/office/drawing/2014/main" id="{58933487-CEF4-E56E-B4AC-93E2BF8A3FC3}"/>
+                <a16:creationId xmlns:a16="http://schemas.microsoft.com/office/drawing/2014/main" id="{94891BDB-532A-4703-B927-91D4B48F1440}"/>
               </a:ext>
             </a:extLst>
           </p:cNvPr>
@@ -1802,12 +1568,12 @@
             <a:pPr>
               <a:defRPr/>
             </a:pPr>
-            <a:fld id="{6D9D2F9B-1B73-F146-9283-6D24A43471F1}" type="datetimeFigureOut">
+            <a:fld id="{D7ABF9BD-CCCC-0A47-A03F-12E3E5F47D9A}" type="datetimeFigureOut">
               <a:rPr lang="en-US"/>
               <a:pPr>
                 <a:defRPr/>
               </a:pPr>
-              <a:t>1/20/25</a:t>
+              <a:t>1/21/2025</a:t>
             </a:fld>
             <a:endParaRPr lang="en-US"/>
           </a:p>
@@ -1818,7 +1584,7 @@
           <p:cNvPr id="5" name="Footer Placeholder 4">
             <a:extLst>
               <a:ext uri="{FF2B5EF4-FFF2-40B4-BE49-F238E27FC236}">
-                <a16:creationId xmlns:a16="http://schemas.microsoft.com/office/drawing/2014/main" id="{20BED33F-0BAB-0887-0587-94E3686DF332}"/>
+                <a16:creationId xmlns:a16="http://schemas.microsoft.com/office/drawing/2014/main" id="{399BE753-D974-27A9-D336-B98A475EC2B7}"/>
               </a:ext>
             </a:extLst>
           </p:cNvPr>
@@ -1850,7 +1616,7 @@
           <p:cNvPr id="6" name="Slide Number Placeholder 5">
             <a:extLst>
               <a:ext uri="{FF2B5EF4-FFF2-40B4-BE49-F238E27FC236}">
-                <a16:creationId xmlns:a16="http://schemas.microsoft.com/office/drawing/2014/main" id="{72D3EBFE-393A-382F-7926-DEF5F27BC785}"/>
+                <a16:creationId xmlns:a16="http://schemas.microsoft.com/office/drawing/2014/main" id="{8E17F8FC-FC46-E1EB-2F0E-B272E77EECEE}"/>
               </a:ext>
             </a:extLst>
           </p:cNvPr>
@@ -1870,7 +1636,7 @@
             </a:lvl1pPr>
           </a:lstStyle>
           <a:p>
-            <a:fld id="{3BB36725-5EFA-7E47-8A44-C520C5711E58}" type="slidenum">
+            <a:fld id="{B90C220F-6F8E-9C4C-AB0A-EDDBD65F79A8}" type="slidenum">
               <a:rPr lang="en-US" altLang="pl-PL"/>
               <a:pPr/>
               <a:t>‹#›</a:t>
@@ -1882,7 +1648,7 @@
     </p:spTree>
     <p:extLst>
       <p:ext uri="{BB962C8B-B14F-4D97-AF65-F5344CB8AC3E}">
-        <p14:creationId xmlns:p14="http://schemas.microsoft.com/office/powerpoint/2010/main" val="1139016703"/>
+        <p14:creationId xmlns:p14="http://schemas.microsoft.com/office/powerpoint/2010/main" val="1905815891"/>
       </p:ext>
     </p:extLst>
   </p:cSld>
@@ -1892,7 +1658,7 @@
 </p:sldLayout>
 </file>
 
-<file path=ppt/slideLayouts/slideLayout15.xml><?xml version="1.0" encoding="utf-8"?>
+<file path=ppt/slideLayouts/slideLayout4.xml><?xml version="1.0" encoding="utf-8"?>
 <p:sldLayout xmlns:a="http://schemas.openxmlformats.org/drawingml/2006/main" xmlns:r="http://schemas.openxmlformats.org/officeDocument/2006/relationships" xmlns:p="http://schemas.openxmlformats.org/presentationml/2006/main" type="twoObj" preserve="1">
   <p:cSld name="Dwa elementy zawartości">
     <p:spTree>
@@ -2051,7 +1817,7 @@
           <p:cNvPr id="5" name="Date Placeholder 3">
             <a:extLst>
               <a:ext uri="{FF2B5EF4-FFF2-40B4-BE49-F238E27FC236}">
-                <a16:creationId xmlns:a16="http://schemas.microsoft.com/office/drawing/2014/main" id="{B1593258-3BC1-F7BD-999F-FE66883A0342}"/>
+                <a16:creationId xmlns:a16="http://schemas.microsoft.com/office/drawing/2014/main" id="{8A2DD321-DA67-B6E6-0D27-A622FA5A1A2E}"/>
               </a:ext>
             </a:extLst>
           </p:cNvPr>
@@ -2074,12 +1840,12 @@
             <a:pPr>
               <a:defRPr/>
             </a:pPr>
-            <a:fld id="{D158CC30-64DA-C041-8712-5F62A0CDB9B3}" type="datetimeFigureOut">
+            <a:fld id="{60DE2B3A-6F3E-B84E-B21C-8E0C8B105477}" type="datetimeFigureOut">
               <a:rPr lang="en-US"/>
               <a:pPr>
                 <a:defRPr/>
               </a:pPr>
-              <a:t>1/20/25</a:t>
+              <a:t>1/21/2025</a:t>
             </a:fld>
             <a:endParaRPr lang="en-US"/>
           </a:p>
@@ -2090,7 +1856,7 @@
           <p:cNvPr id="6" name="Footer Placeholder 4">
             <a:extLst>
               <a:ext uri="{FF2B5EF4-FFF2-40B4-BE49-F238E27FC236}">
-                <a16:creationId xmlns:a16="http://schemas.microsoft.com/office/drawing/2014/main" id="{3FEDE892-59E4-5988-BB92-521F533C342C}"/>
+                <a16:creationId xmlns:a16="http://schemas.microsoft.com/office/drawing/2014/main" id="{C0DA37C7-01C2-DEB0-E70C-678C94727254}"/>
               </a:ext>
             </a:extLst>
           </p:cNvPr>
@@ -2122,7 +1888,7 @@
           <p:cNvPr id="7" name="Slide Number Placeholder 5">
             <a:extLst>
               <a:ext uri="{FF2B5EF4-FFF2-40B4-BE49-F238E27FC236}">
-                <a16:creationId xmlns:a16="http://schemas.microsoft.com/office/drawing/2014/main" id="{00090005-33F2-335D-3839-D40D8BA496E4}"/>
+                <a16:creationId xmlns:a16="http://schemas.microsoft.com/office/drawing/2014/main" id="{38F61CF9-AC3F-0ECC-E426-4B2B8D322EDF}"/>
               </a:ext>
             </a:extLst>
           </p:cNvPr>
@@ -2142,7 +1908,7 @@
             </a:lvl1pPr>
           </a:lstStyle>
           <a:p>
-            <a:fld id="{E2466423-8462-3341-9402-167188631457}" type="slidenum">
+            <a:fld id="{E95FD875-E476-2147-99E8-3723C263F702}" type="slidenum">
               <a:rPr lang="en-US" altLang="pl-PL"/>
               <a:pPr/>
               <a:t>‹#›</a:t>
@@ -2154,7 +1920,7 @@
     </p:spTree>
     <p:extLst>
       <p:ext uri="{BB962C8B-B14F-4D97-AF65-F5344CB8AC3E}">
-        <p14:creationId xmlns:p14="http://schemas.microsoft.com/office/powerpoint/2010/main" val="2389454692"/>
+        <p14:creationId xmlns:p14="http://schemas.microsoft.com/office/powerpoint/2010/main" val="3883977650"/>
       </p:ext>
     </p:extLst>
   </p:cSld>
@@ -2164,7 +1930,7 @@
 </p:sldLayout>
 </file>
 
-<file path=ppt/slideLayouts/slideLayout16.xml><?xml version="1.0" encoding="utf-8"?>
+<file path=ppt/slideLayouts/slideLayout5.xml><?xml version="1.0" encoding="utf-8"?>
 <p:sldLayout xmlns:a="http://schemas.openxmlformats.org/drawingml/2006/main" xmlns:r="http://schemas.openxmlformats.org/officeDocument/2006/relationships" xmlns:p="http://schemas.openxmlformats.org/presentationml/2006/main" type="twoTxTwoObj" preserve="1">
   <p:cSld name="Porównanie">
     <p:spTree>
@@ -2458,7 +2224,7 @@
           <p:cNvPr id="7" name="Date Placeholder 3">
             <a:extLst>
               <a:ext uri="{FF2B5EF4-FFF2-40B4-BE49-F238E27FC236}">
-                <a16:creationId xmlns:a16="http://schemas.microsoft.com/office/drawing/2014/main" id="{278ED231-A793-59AB-F454-3D91C3505F24}"/>
+                <a16:creationId xmlns:a16="http://schemas.microsoft.com/office/drawing/2014/main" id="{6F34F9C6-23F5-50C1-AF46-CF3020A1BC4E}"/>
               </a:ext>
             </a:extLst>
           </p:cNvPr>
@@ -2481,12 +2247,12 @@
             <a:pPr>
               <a:defRPr/>
             </a:pPr>
-            <a:fld id="{DD8CC4C3-AF77-1B44-99E9-0F6196E9A083}" type="datetimeFigureOut">
+            <a:fld id="{EA86C37A-9F31-4B4D-B7C9-91810EE7F6A0}" type="datetimeFigureOut">
               <a:rPr lang="en-US"/>
               <a:pPr>
                 <a:defRPr/>
               </a:pPr>
-              <a:t>1/20/25</a:t>
+              <a:t>1/21/2025</a:t>
             </a:fld>
             <a:endParaRPr lang="en-US"/>
           </a:p>
@@ -2497,7 +2263,7 @@
           <p:cNvPr id="8" name="Footer Placeholder 4">
             <a:extLst>
               <a:ext uri="{FF2B5EF4-FFF2-40B4-BE49-F238E27FC236}">
-                <a16:creationId xmlns:a16="http://schemas.microsoft.com/office/drawing/2014/main" id="{D92ABBBD-8A2C-DDAE-4C7A-05D8FDD48231}"/>
+                <a16:creationId xmlns:a16="http://schemas.microsoft.com/office/drawing/2014/main" id="{103C81EE-39FF-3138-E087-D8839DCDD7DF}"/>
               </a:ext>
             </a:extLst>
           </p:cNvPr>
@@ -2529,7 +2295,7 @@
           <p:cNvPr id="9" name="Slide Number Placeholder 5">
             <a:extLst>
               <a:ext uri="{FF2B5EF4-FFF2-40B4-BE49-F238E27FC236}">
-                <a16:creationId xmlns:a16="http://schemas.microsoft.com/office/drawing/2014/main" id="{5D57AAA0-616A-DFB7-E095-3C6AD228E02C}"/>
+                <a16:creationId xmlns:a16="http://schemas.microsoft.com/office/drawing/2014/main" id="{3C87DB05-E169-530A-7F69-4BC2717AFD6A}"/>
               </a:ext>
             </a:extLst>
           </p:cNvPr>
@@ -2549,7 +2315,7 @@
             </a:lvl1pPr>
           </a:lstStyle>
           <a:p>
-            <a:fld id="{56164C89-8017-D949-975D-E2E8AA2E18EA}" type="slidenum">
+            <a:fld id="{6FB5E232-0E51-0C4F-9B91-E9638410AB7C}" type="slidenum">
               <a:rPr lang="en-US" altLang="pl-PL"/>
               <a:pPr/>
               <a:t>‹#›</a:t>
@@ -2561,7 +2327,7 @@
     </p:spTree>
     <p:extLst>
       <p:ext uri="{BB962C8B-B14F-4D97-AF65-F5344CB8AC3E}">
-        <p14:creationId xmlns:p14="http://schemas.microsoft.com/office/powerpoint/2010/main" val="1836716972"/>
+        <p14:creationId xmlns:p14="http://schemas.microsoft.com/office/powerpoint/2010/main" val="651300984"/>
       </p:ext>
     </p:extLst>
   </p:cSld>
@@ -2571,7 +2337,7 @@
 </p:sldLayout>
 </file>
 
-<file path=ppt/slideLayouts/slideLayout17.xml><?xml version="1.0" encoding="utf-8"?>
+<file path=ppt/slideLayouts/slideLayout6.xml><?xml version="1.0" encoding="utf-8"?>
 <p:sldLayout xmlns:a="http://schemas.openxmlformats.org/drawingml/2006/main" xmlns:r="http://schemas.openxmlformats.org/officeDocument/2006/relationships" xmlns:p="http://schemas.openxmlformats.org/presentationml/2006/main" type="titleOnly" preserve="1">
   <p:cSld name="Tylko tytuł">
     <p:spTree>
@@ -2616,7 +2382,7 @@
           <p:cNvPr id="3" name="Date Placeholder 3">
             <a:extLst>
               <a:ext uri="{FF2B5EF4-FFF2-40B4-BE49-F238E27FC236}">
-                <a16:creationId xmlns:a16="http://schemas.microsoft.com/office/drawing/2014/main" id="{D5333870-5C99-02D8-67CD-379C429CAE88}"/>
+                <a16:creationId xmlns:a16="http://schemas.microsoft.com/office/drawing/2014/main" id="{AB048BBF-B513-4AB5-309A-3CC355250D8B}"/>
               </a:ext>
             </a:extLst>
           </p:cNvPr>
@@ -2639,12 +2405,12 @@
             <a:pPr>
               <a:defRPr/>
             </a:pPr>
-            <a:fld id="{294A3764-7A35-7347-9CA3-5CF483214B55}" type="datetimeFigureOut">
+            <a:fld id="{47523CE2-E0EB-AA48-9D31-EBDA4FFD23F4}" type="datetimeFigureOut">
               <a:rPr lang="en-US"/>
               <a:pPr>
                 <a:defRPr/>
               </a:pPr>
-              <a:t>1/20/25</a:t>
+              <a:t>1/21/2025</a:t>
             </a:fld>
             <a:endParaRPr lang="en-US"/>
           </a:p>
@@ -2655,7 +2421,7 @@
           <p:cNvPr id="4" name="Footer Placeholder 4">
             <a:extLst>
               <a:ext uri="{FF2B5EF4-FFF2-40B4-BE49-F238E27FC236}">
-                <a16:creationId xmlns:a16="http://schemas.microsoft.com/office/drawing/2014/main" id="{6B3FCEC0-343B-5307-4158-09372C93B9DB}"/>
+                <a16:creationId xmlns:a16="http://schemas.microsoft.com/office/drawing/2014/main" id="{672BFEA4-EC66-AD56-629B-051E9EBB47F1}"/>
               </a:ext>
             </a:extLst>
           </p:cNvPr>
@@ -2687,7 +2453,7 @@
           <p:cNvPr id="5" name="Slide Number Placeholder 5">
             <a:extLst>
               <a:ext uri="{FF2B5EF4-FFF2-40B4-BE49-F238E27FC236}">
-                <a16:creationId xmlns:a16="http://schemas.microsoft.com/office/drawing/2014/main" id="{9460C739-1583-F957-4EBE-A11DF1930610}"/>
+                <a16:creationId xmlns:a16="http://schemas.microsoft.com/office/drawing/2014/main" id="{51764A30-50BA-53EA-6FEB-394B52F0A522}"/>
               </a:ext>
             </a:extLst>
           </p:cNvPr>
@@ -2707,7 +2473,7 @@
             </a:lvl1pPr>
           </a:lstStyle>
           <a:p>
-            <a:fld id="{7CCEB7D1-E7D8-2249-A51F-15C4557D12B0}" type="slidenum">
+            <a:fld id="{F43BD6FE-A15C-1741-980A-70CF9FE4902C}" type="slidenum">
               <a:rPr lang="en-US" altLang="pl-PL"/>
               <a:pPr/>
               <a:t>‹#›</a:t>
@@ -2719,7 +2485,7 @@
     </p:spTree>
     <p:extLst>
       <p:ext uri="{BB962C8B-B14F-4D97-AF65-F5344CB8AC3E}">
-        <p14:creationId xmlns:p14="http://schemas.microsoft.com/office/powerpoint/2010/main" val="715737156"/>
+        <p14:creationId xmlns:p14="http://schemas.microsoft.com/office/powerpoint/2010/main" val="997417877"/>
       </p:ext>
     </p:extLst>
   </p:cSld>
@@ -2729,7 +2495,7 @@
 </p:sldLayout>
 </file>
 
-<file path=ppt/slideLayouts/slideLayout18.xml><?xml version="1.0" encoding="utf-8"?>
+<file path=ppt/slideLayouts/slideLayout7.xml><?xml version="1.0" encoding="utf-8"?>
 <p:sldLayout xmlns:a="http://schemas.openxmlformats.org/drawingml/2006/main" xmlns:r="http://schemas.openxmlformats.org/officeDocument/2006/relationships" xmlns:p="http://schemas.openxmlformats.org/presentationml/2006/main" type="blank" preserve="1">
   <p:cSld name="Pusty">
     <p:spTree>
@@ -2751,7 +2517,7 @@
           <p:cNvPr id="2" name="Date Placeholder 3">
             <a:extLst>
               <a:ext uri="{FF2B5EF4-FFF2-40B4-BE49-F238E27FC236}">
-                <a16:creationId xmlns:a16="http://schemas.microsoft.com/office/drawing/2014/main" id="{EF54FDBA-041C-A8C3-3283-20C76AB020C7}"/>
+                <a16:creationId xmlns:a16="http://schemas.microsoft.com/office/drawing/2014/main" id="{F925EE98-C8E2-0513-98A3-44CCDB1A513D}"/>
               </a:ext>
             </a:extLst>
           </p:cNvPr>
@@ -2774,12 +2540,12 @@
             <a:pPr>
               <a:defRPr/>
             </a:pPr>
-            <a:fld id="{02F282F5-EAE4-3E4E-8847-DC622F732796}" type="datetimeFigureOut">
+            <a:fld id="{FE7567CA-57C9-CF4B-A227-00345CFCB806}" type="datetimeFigureOut">
               <a:rPr lang="en-US"/>
               <a:pPr>
                 <a:defRPr/>
               </a:pPr>
-              <a:t>1/20/25</a:t>
+              <a:t>1/21/2025</a:t>
             </a:fld>
             <a:endParaRPr lang="en-US"/>
           </a:p>
@@ -2790,7 +2556,7 @@
           <p:cNvPr id="3" name="Footer Placeholder 4">
             <a:extLst>
               <a:ext uri="{FF2B5EF4-FFF2-40B4-BE49-F238E27FC236}">
-                <a16:creationId xmlns:a16="http://schemas.microsoft.com/office/drawing/2014/main" id="{B93E5254-A9E3-910A-9092-193B021C2921}"/>
+                <a16:creationId xmlns:a16="http://schemas.microsoft.com/office/drawing/2014/main" id="{6A806770-BDC4-951A-DA48-06771EE5D209}"/>
               </a:ext>
             </a:extLst>
           </p:cNvPr>
@@ -2822,7 +2588,7 @@
           <p:cNvPr id="4" name="Slide Number Placeholder 5">
             <a:extLst>
               <a:ext uri="{FF2B5EF4-FFF2-40B4-BE49-F238E27FC236}">
-                <a16:creationId xmlns:a16="http://schemas.microsoft.com/office/drawing/2014/main" id="{99A24160-5FB8-E081-0A8E-C2034CCD1027}"/>
+                <a16:creationId xmlns:a16="http://schemas.microsoft.com/office/drawing/2014/main" id="{03BD8715-767D-4829-62A0-F4DD7C38135E}"/>
               </a:ext>
             </a:extLst>
           </p:cNvPr>
@@ -2842,7 +2608,7 @@
             </a:lvl1pPr>
           </a:lstStyle>
           <a:p>
-            <a:fld id="{BF8AD7D8-6069-AD43-9043-F08CA273F0DB}" type="slidenum">
+            <a:fld id="{A53509C8-5D3F-404D-831F-D53ED2A42F5A}" type="slidenum">
               <a:rPr lang="en-US" altLang="pl-PL"/>
               <a:pPr/>
               <a:t>‹#›</a:t>
@@ -2854,7 +2620,7 @@
     </p:spTree>
     <p:extLst>
       <p:ext uri="{BB962C8B-B14F-4D97-AF65-F5344CB8AC3E}">
-        <p14:creationId xmlns:p14="http://schemas.microsoft.com/office/powerpoint/2010/main" val="1601762553"/>
+        <p14:creationId xmlns:p14="http://schemas.microsoft.com/office/powerpoint/2010/main" val="540490959"/>
       </p:ext>
     </p:extLst>
   </p:cSld>
@@ -2864,7 +2630,7 @@
 </p:sldLayout>
 </file>
 
-<file path=ppt/slideLayouts/slideLayout19.xml><?xml version="1.0" encoding="utf-8"?>
+<file path=ppt/slideLayouts/slideLayout8.xml><?xml version="1.0" encoding="utf-8"?>
 <p:sldLayout xmlns:a="http://schemas.openxmlformats.org/drawingml/2006/main" xmlns:r="http://schemas.openxmlformats.org/officeDocument/2006/relationships" xmlns:p="http://schemas.openxmlformats.org/presentationml/2006/main" type="objTx" preserve="1">
   <p:cSld name="Zawartość z podpisem">
     <p:spTree>
@@ -3068,7 +2834,7 @@
           <p:cNvPr id="5" name="Date Placeholder 3">
             <a:extLst>
               <a:ext uri="{FF2B5EF4-FFF2-40B4-BE49-F238E27FC236}">
-                <a16:creationId xmlns:a16="http://schemas.microsoft.com/office/drawing/2014/main" id="{C9749AB0-AE97-459F-BCE4-496F077754F0}"/>
+                <a16:creationId xmlns:a16="http://schemas.microsoft.com/office/drawing/2014/main" id="{60B074EE-B156-D3A0-FB9E-3608C826EBED}"/>
               </a:ext>
             </a:extLst>
           </p:cNvPr>
@@ -3091,12 +2857,12 @@
             <a:pPr>
               <a:defRPr/>
             </a:pPr>
-            <a:fld id="{5CB97002-086D-E24A-A4B7-FA816A0B755B}" type="datetimeFigureOut">
+            <a:fld id="{04A46329-0F16-5041-A82C-6212CA8F763B}" type="datetimeFigureOut">
               <a:rPr lang="en-US"/>
               <a:pPr>
                 <a:defRPr/>
               </a:pPr>
-              <a:t>1/20/25</a:t>
+              <a:t>1/21/2025</a:t>
             </a:fld>
             <a:endParaRPr lang="en-US"/>
           </a:p>
@@ -3107,7 +2873,7 @@
           <p:cNvPr id="6" name="Footer Placeholder 4">
             <a:extLst>
               <a:ext uri="{FF2B5EF4-FFF2-40B4-BE49-F238E27FC236}">
-                <a16:creationId xmlns:a16="http://schemas.microsoft.com/office/drawing/2014/main" id="{CE68AD6A-83A8-E6EA-071B-74B3562F0039}"/>
+                <a16:creationId xmlns:a16="http://schemas.microsoft.com/office/drawing/2014/main" id="{740F2C3A-8DBA-94B7-178C-4E616AC24D74}"/>
               </a:ext>
             </a:extLst>
           </p:cNvPr>
@@ -3139,7 +2905,7 @@
           <p:cNvPr id="7" name="Slide Number Placeholder 5">
             <a:extLst>
               <a:ext uri="{FF2B5EF4-FFF2-40B4-BE49-F238E27FC236}">
-                <a16:creationId xmlns:a16="http://schemas.microsoft.com/office/drawing/2014/main" id="{A07EF050-F80F-934B-D413-84C532FC259C}"/>
+                <a16:creationId xmlns:a16="http://schemas.microsoft.com/office/drawing/2014/main" id="{3C2C1EE5-32FB-C0EF-3339-5888B5C99E96}"/>
               </a:ext>
             </a:extLst>
           </p:cNvPr>
@@ -3159,7 +2925,7 @@
             </a:lvl1pPr>
           </a:lstStyle>
           <a:p>
-            <a:fld id="{1CBB8F95-33EC-D14B-8218-F285026885C5}" type="slidenum">
+            <a:fld id="{44ED70D6-4698-CA4F-8EED-1259B9C26B06}" type="slidenum">
               <a:rPr lang="en-US" altLang="pl-PL"/>
               <a:pPr/>
               <a:t>‹#›</a:t>
@@ -3171,7 +2937,7 @@
     </p:spTree>
     <p:extLst>
       <p:ext uri="{BB962C8B-B14F-4D97-AF65-F5344CB8AC3E}">
-        <p14:creationId xmlns:p14="http://schemas.microsoft.com/office/powerpoint/2010/main" val="1990051426"/>
+        <p14:creationId xmlns:p14="http://schemas.microsoft.com/office/powerpoint/2010/main" val="1548079510"/>
       </p:ext>
     </p:extLst>
   </p:cSld>
@@ -3181,217 +2947,7 @@
 </p:sldLayout>
 </file>
 
-<file path=ppt/slideLayouts/slideLayout2.xml><?xml version="1.0" encoding="utf-8"?>
-<p:sldLayout xmlns:a="http://schemas.openxmlformats.org/drawingml/2006/main" xmlns:r="http://schemas.openxmlformats.org/officeDocument/2006/relationships" xmlns:p="http://schemas.openxmlformats.org/presentationml/2006/main" type="obj" preserve="1">
-  <p:cSld name="Tytuł i zawartość">
-    <p:spTree>
-      <p:nvGrpSpPr>
-        <p:cNvPr id="1" name=""/>
-        <p:cNvGrpSpPr/>
-        <p:nvPr/>
-      </p:nvGrpSpPr>
-      <p:grpSpPr>
-        <a:xfrm>
-          <a:off x="0" y="0"/>
-          <a:ext cx="0" cy="0"/>
-          <a:chOff x="0" y="0"/>
-          <a:chExt cx="0" cy="0"/>
-        </a:xfrm>
-      </p:grpSpPr>
-      <p:sp>
-        <p:nvSpPr>
-          <p:cNvPr id="2" name="Title 1"/>
-          <p:cNvSpPr>
-            <a:spLocks noGrp="1"/>
-          </p:cNvSpPr>
-          <p:nvPr>
-            <p:ph type="title"/>
-          </p:nvPr>
-        </p:nvSpPr>
-        <p:spPr/>
-        <p:txBody>
-          <a:bodyPr/>
-          <a:lstStyle/>
-          <a:p>
-            <a:r>
-              <a:rPr lang="pl-PL"/>
-              <a:t>Kliknij, aby edytować styl</a:t>
-            </a:r>
-            <a:endParaRPr lang="en-US" dirty="0"/>
-          </a:p>
-        </p:txBody>
-      </p:sp>
-      <p:sp>
-        <p:nvSpPr>
-          <p:cNvPr id="3" name="Content Placeholder 2"/>
-          <p:cNvSpPr>
-            <a:spLocks noGrp="1"/>
-          </p:cNvSpPr>
-          <p:nvPr>
-            <p:ph idx="1"/>
-          </p:nvPr>
-        </p:nvSpPr>
-        <p:spPr/>
-        <p:txBody>
-          <a:bodyPr/>
-          <a:lstStyle/>
-          <a:p>
-            <a:pPr lvl="0"/>
-            <a:r>
-              <a:rPr lang="pl-PL"/>
-              <a:t>Kliknij, aby edytować style wzorca tekstu</a:t>
-            </a:r>
-          </a:p>
-          <a:p>
-            <a:pPr lvl="1"/>
-            <a:r>
-              <a:rPr lang="pl-PL"/>
-              <a:t>Drugi poziom</a:t>
-            </a:r>
-          </a:p>
-          <a:p>
-            <a:pPr lvl="2"/>
-            <a:r>
-              <a:rPr lang="pl-PL"/>
-              <a:t>Trzeci poziom</a:t>
-            </a:r>
-          </a:p>
-          <a:p>
-            <a:pPr lvl="3"/>
-            <a:r>
-              <a:rPr lang="pl-PL"/>
-              <a:t>Czwarty poziom</a:t>
-            </a:r>
-          </a:p>
-          <a:p>
-            <a:pPr lvl="4"/>
-            <a:r>
-              <a:rPr lang="pl-PL"/>
-              <a:t>Piąty poziom</a:t>
-            </a:r>
-            <a:endParaRPr lang="en-US" dirty="0"/>
-          </a:p>
-        </p:txBody>
-      </p:sp>
-      <p:sp>
-        <p:nvSpPr>
-          <p:cNvPr id="4" name="Date Placeholder 3">
-            <a:extLst>
-              <a:ext uri="{FF2B5EF4-FFF2-40B4-BE49-F238E27FC236}">
-                <a16:creationId xmlns:a16="http://schemas.microsoft.com/office/drawing/2014/main" id="{48DADE0E-146A-6E8A-023A-2A8D5CF6F1F9}"/>
-              </a:ext>
-            </a:extLst>
-          </p:cNvPr>
-          <p:cNvSpPr>
-            <a:spLocks noGrp="1"/>
-          </p:cNvSpPr>
-          <p:nvPr>
-            <p:ph type="dt" sz="half" idx="10"/>
-          </p:nvPr>
-        </p:nvSpPr>
-        <p:spPr/>
-        <p:txBody>
-          <a:bodyPr/>
-          <a:lstStyle>
-            <a:lvl1pPr>
-              <a:defRPr/>
-            </a:lvl1pPr>
-          </a:lstStyle>
-          <a:p>
-            <a:pPr>
-              <a:defRPr/>
-            </a:pPr>
-            <a:fld id="{1F39103B-78A5-7345-9CDA-F01B96C826AD}" type="datetimeFigureOut">
-              <a:rPr lang="en-US"/>
-              <a:pPr>
-                <a:defRPr/>
-              </a:pPr>
-              <a:t>1/20/25</a:t>
-            </a:fld>
-            <a:endParaRPr lang="en-US"/>
-          </a:p>
-        </p:txBody>
-      </p:sp>
-      <p:sp>
-        <p:nvSpPr>
-          <p:cNvPr id="5" name="Footer Placeholder 4">
-            <a:extLst>
-              <a:ext uri="{FF2B5EF4-FFF2-40B4-BE49-F238E27FC236}">
-                <a16:creationId xmlns:a16="http://schemas.microsoft.com/office/drawing/2014/main" id="{5ACC7497-6AA6-34C5-A360-ABA581DA54C1}"/>
-              </a:ext>
-            </a:extLst>
-          </p:cNvPr>
-          <p:cNvSpPr>
-            <a:spLocks noGrp="1"/>
-          </p:cNvSpPr>
-          <p:nvPr>
-            <p:ph type="ftr" sz="quarter" idx="11"/>
-          </p:nvPr>
-        </p:nvSpPr>
-        <p:spPr/>
-        <p:txBody>
-          <a:bodyPr/>
-          <a:lstStyle>
-            <a:lvl1pPr>
-              <a:defRPr/>
-            </a:lvl1pPr>
-          </a:lstStyle>
-          <a:p>
-            <a:pPr>
-              <a:defRPr/>
-            </a:pPr>
-            <a:endParaRPr lang="en-US"/>
-          </a:p>
-        </p:txBody>
-      </p:sp>
-      <p:sp>
-        <p:nvSpPr>
-          <p:cNvPr id="6" name="Slide Number Placeholder 5">
-            <a:extLst>
-              <a:ext uri="{FF2B5EF4-FFF2-40B4-BE49-F238E27FC236}">
-                <a16:creationId xmlns:a16="http://schemas.microsoft.com/office/drawing/2014/main" id="{9203BD18-56FE-213B-A3E4-3C7C1921B9FE}"/>
-              </a:ext>
-            </a:extLst>
-          </p:cNvPr>
-          <p:cNvSpPr>
-            <a:spLocks noGrp="1"/>
-          </p:cNvSpPr>
-          <p:nvPr>
-            <p:ph type="sldNum" sz="quarter" idx="12"/>
-          </p:nvPr>
-        </p:nvSpPr>
-        <p:spPr/>
-        <p:txBody>
-          <a:bodyPr/>
-          <a:lstStyle>
-            <a:lvl1pPr>
-              <a:defRPr/>
-            </a:lvl1pPr>
-          </a:lstStyle>
-          <a:p>
-            <a:fld id="{43670625-C3A6-484F-8F1E-8B824988E49A}" type="slidenum">
-              <a:rPr lang="en-US" altLang="pl-PL"/>
-              <a:pPr/>
-              <a:t>‹#›</a:t>
-            </a:fld>
-            <a:endParaRPr lang="en-US" altLang="pl-PL"/>
-          </a:p>
-        </p:txBody>
-      </p:sp>
-    </p:spTree>
-    <p:extLst>
-      <p:ext uri="{BB962C8B-B14F-4D97-AF65-F5344CB8AC3E}">
-        <p14:creationId xmlns:p14="http://schemas.microsoft.com/office/powerpoint/2010/main" val="5195739"/>
-      </p:ext>
-    </p:extLst>
-  </p:cSld>
-  <p:clrMapOvr>
-    <a:masterClrMapping/>
-  </p:clrMapOvr>
-</p:sldLayout>
-</file>
-
-<file path=ppt/slideLayouts/slideLayout20.xml><?xml version="1.0" encoding="utf-8"?>
+<file path=ppt/slideLayouts/slideLayout9.xml><?xml version="1.0" encoding="utf-8"?>
 <p:sldLayout xmlns:a="http://schemas.openxmlformats.org/drawingml/2006/main" xmlns:r="http://schemas.openxmlformats.org/officeDocument/2006/relationships" xmlns:p="http://schemas.openxmlformats.org/presentationml/2006/main" type="picTx" preserve="1">
   <p:cSld name="Obraz z podpisem">
     <p:spTree>
@@ -3578,2311 +3134,6 @@
           <p:cNvPr id="5" name="Date Placeholder 3">
             <a:extLst>
               <a:ext uri="{FF2B5EF4-FFF2-40B4-BE49-F238E27FC236}">
-                <a16:creationId xmlns:a16="http://schemas.microsoft.com/office/drawing/2014/main" id="{1CD5687A-6702-9082-4949-3FF5290456A0}"/>
-              </a:ext>
-            </a:extLst>
-          </p:cNvPr>
-          <p:cNvSpPr>
-            <a:spLocks noGrp="1"/>
-          </p:cNvSpPr>
-          <p:nvPr>
-            <p:ph type="dt" sz="half" idx="10"/>
-          </p:nvPr>
-        </p:nvSpPr>
-        <p:spPr/>
-        <p:txBody>
-          <a:bodyPr/>
-          <a:lstStyle>
-            <a:lvl1pPr>
-              <a:defRPr/>
-            </a:lvl1pPr>
-          </a:lstStyle>
-          <a:p>
-            <a:pPr>
-              <a:defRPr/>
-            </a:pPr>
-            <a:fld id="{FFC24661-0DBC-634A-B84C-EFF248B41D59}" type="datetimeFigureOut">
-              <a:rPr lang="en-US"/>
-              <a:pPr>
-                <a:defRPr/>
-              </a:pPr>
-              <a:t>1/20/25</a:t>
-            </a:fld>
-            <a:endParaRPr lang="en-US"/>
-          </a:p>
-        </p:txBody>
-      </p:sp>
-      <p:sp>
-        <p:nvSpPr>
-          <p:cNvPr id="6" name="Footer Placeholder 4">
-            <a:extLst>
-              <a:ext uri="{FF2B5EF4-FFF2-40B4-BE49-F238E27FC236}">
-                <a16:creationId xmlns:a16="http://schemas.microsoft.com/office/drawing/2014/main" id="{634CDE18-BF75-24D7-AF90-DC279A1E0098}"/>
-              </a:ext>
-            </a:extLst>
-          </p:cNvPr>
-          <p:cNvSpPr>
-            <a:spLocks noGrp="1"/>
-          </p:cNvSpPr>
-          <p:nvPr>
-            <p:ph type="ftr" sz="quarter" idx="11"/>
-          </p:nvPr>
-        </p:nvSpPr>
-        <p:spPr/>
-        <p:txBody>
-          <a:bodyPr/>
-          <a:lstStyle>
-            <a:lvl1pPr>
-              <a:defRPr/>
-            </a:lvl1pPr>
-          </a:lstStyle>
-          <a:p>
-            <a:pPr>
-              <a:defRPr/>
-            </a:pPr>
-            <a:endParaRPr lang="en-US"/>
-          </a:p>
-        </p:txBody>
-      </p:sp>
-      <p:sp>
-        <p:nvSpPr>
-          <p:cNvPr id="7" name="Slide Number Placeholder 5">
-            <a:extLst>
-              <a:ext uri="{FF2B5EF4-FFF2-40B4-BE49-F238E27FC236}">
-                <a16:creationId xmlns:a16="http://schemas.microsoft.com/office/drawing/2014/main" id="{EDF129AE-8F4D-227F-EE3E-601174600A21}"/>
-              </a:ext>
-            </a:extLst>
-          </p:cNvPr>
-          <p:cNvSpPr>
-            <a:spLocks noGrp="1"/>
-          </p:cNvSpPr>
-          <p:nvPr>
-            <p:ph type="sldNum" sz="quarter" idx="12"/>
-          </p:nvPr>
-        </p:nvSpPr>
-        <p:spPr/>
-        <p:txBody>
-          <a:bodyPr/>
-          <a:lstStyle>
-            <a:lvl1pPr>
-              <a:defRPr/>
-            </a:lvl1pPr>
-          </a:lstStyle>
-          <a:p>
-            <a:fld id="{DF636854-1E1F-FE4A-A686-730AE2057AC7}" type="slidenum">
-              <a:rPr lang="en-US" altLang="pl-PL"/>
-              <a:pPr/>
-              <a:t>‹#›</a:t>
-            </a:fld>
-            <a:endParaRPr lang="en-US" altLang="pl-PL"/>
-          </a:p>
-        </p:txBody>
-      </p:sp>
-    </p:spTree>
-    <p:extLst>
-      <p:ext uri="{BB962C8B-B14F-4D97-AF65-F5344CB8AC3E}">
-        <p14:creationId xmlns:p14="http://schemas.microsoft.com/office/powerpoint/2010/main" val="701766186"/>
-      </p:ext>
-    </p:extLst>
-  </p:cSld>
-  <p:clrMapOvr>
-    <a:masterClrMapping/>
-  </p:clrMapOvr>
-</p:sldLayout>
-</file>
-
-<file path=ppt/slideLayouts/slideLayout21.xml><?xml version="1.0" encoding="utf-8"?>
-<p:sldLayout xmlns:a="http://schemas.openxmlformats.org/drawingml/2006/main" xmlns:r="http://schemas.openxmlformats.org/officeDocument/2006/relationships" xmlns:p="http://schemas.openxmlformats.org/presentationml/2006/main" type="vertTx" preserve="1">
-  <p:cSld name="Tytuł i tekst pionowy">
-    <p:spTree>
-      <p:nvGrpSpPr>
-        <p:cNvPr id="1" name=""/>
-        <p:cNvGrpSpPr/>
-        <p:nvPr/>
-      </p:nvGrpSpPr>
-      <p:grpSpPr>
-        <a:xfrm>
-          <a:off x="0" y="0"/>
-          <a:ext cx="0" cy="0"/>
-          <a:chOff x="0" y="0"/>
-          <a:chExt cx="0" cy="0"/>
-        </a:xfrm>
-      </p:grpSpPr>
-      <p:sp>
-        <p:nvSpPr>
-          <p:cNvPr id="2" name="Title 1"/>
-          <p:cNvSpPr>
-            <a:spLocks noGrp="1"/>
-          </p:cNvSpPr>
-          <p:nvPr>
-            <p:ph type="title"/>
-          </p:nvPr>
-        </p:nvSpPr>
-        <p:spPr/>
-        <p:txBody>
-          <a:bodyPr/>
-          <a:lstStyle/>
-          <a:p>
-            <a:r>
-              <a:rPr lang="pl-PL"/>
-              <a:t>Kliknij, aby edytować styl</a:t>
-            </a:r>
-            <a:endParaRPr lang="en-US" dirty="0"/>
-          </a:p>
-        </p:txBody>
-      </p:sp>
-      <p:sp>
-        <p:nvSpPr>
-          <p:cNvPr id="3" name="Vertical Text Placeholder 2"/>
-          <p:cNvSpPr>
-            <a:spLocks noGrp="1"/>
-          </p:cNvSpPr>
-          <p:nvPr>
-            <p:ph type="body" orient="vert" idx="1"/>
-          </p:nvPr>
-        </p:nvSpPr>
-        <p:spPr/>
-        <p:txBody>
-          <a:bodyPr vert="eaVert"/>
-          <a:lstStyle/>
-          <a:p>
-            <a:pPr lvl="0"/>
-            <a:r>
-              <a:rPr lang="pl-PL"/>
-              <a:t>Kliknij, aby edytować style wzorca tekstu</a:t>
-            </a:r>
-          </a:p>
-          <a:p>
-            <a:pPr lvl="1"/>
-            <a:r>
-              <a:rPr lang="pl-PL"/>
-              <a:t>Drugi poziom</a:t>
-            </a:r>
-          </a:p>
-          <a:p>
-            <a:pPr lvl="2"/>
-            <a:r>
-              <a:rPr lang="pl-PL"/>
-              <a:t>Trzeci poziom</a:t>
-            </a:r>
-          </a:p>
-          <a:p>
-            <a:pPr lvl="3"/>
-            <a:r>
-              <a:rPr lang="pl-PL"/>
-              <a:t>Czwarty poziom</a:t>
-            </a:r>
-          </a:p>
-          <a:p>
-            <a:pPr lvl="4"/>
-            <a:r>
-              <a:rPr lang="pl-PL"/>
-              <a:t>Piąty poziom</a:t>
-            </a:r>
-            <a:endParaRPr lang="en-US" dirty="0"/>
-          </a:p>
-        </p:txBody>
-      </p:sp>
-      <p:sp>
-        <p:nvSpPr>
-          <p:cNvPr id="4" name="Date Placeholder 3">
-            <a:extLst>
-              <a:ext uri="{FF2B5EF4-FFF2-40B4-BE49-F238E27FC236}">
-                <a16:creationId xmlns:a16="http://schemas.microsoft.com/office/drawing/2014/main" id="{9A074250-AC8E-0B06-540C-43A2C89176CE}"/>
-              </a:ext>
-            </a:extLst>
-          </p:cNvPr>
-          <p:cNvSpPr>
-            <a:spLocks noGrp="1"/>
-          </p:cNvSpPr>
-          <p:nvPr>
-            <p:ph type="dt" sz="half" idx="10"/>
-          </p:nvPr>
-        </p:nvSpPr>
-        <p:spPr/>
-        <p:txBody>
-          <a:bodyPr/>
-          <a:lstStyle>
-            <a:lvl1pPr>
-              <a:defRPr/>
-            </a:lvl1pPr>
-          </a:lstStyle>
-          <a:p>
-            <a:pPr>
-              <a:defRPr/>
-            </a:pPr>
-            <a:fld id="{C2381CCA-170A-984B-8D6F-C3E731545697}" type="datetimeFigureOut">
-              <a:rPr lang="en-US"/>
-              <a:pPr>
-                <a:defRPr/>
-              </a:pPr>
-              <a:t>1/20/25</a:t>
-            </a:fld>
-            <a:endParaRPr lang="en-US"/>
-          </a:p>
-        </p:txBody>
-      </p:sp>
-      <p:sp>
-        <p:nvSpPr>
-          <p:cNvPr id="5" name="Footer Placeholder 4">
-            <a:extLst>
-              <a:ext uri="{FF2B5EF4-FFF2-40B4-BE49-F238E27FC236}">
-                <a16:creationId xmlns:a16="http://schemas.microsoft.com/office/drawing/2014/main" id="{44F952DF-9939-9E30-CDBD-722039A25D71}"/>
-              </a:ext>
-            </a:extLst>
-          </p:cNvPr>
-          <p:cNvSpPr>
-            <a:spLocks noGrp="1"/>
-          </p:cNvSpPr>
-          <p:nvPr>
-            <p:ph type="ftr" sz="quarter" idx="11"/>
-          </p:nvPr>
-        </p:nvSpPr>
-        <p:spPr/>
-        <p:txBody>
-          <a:bodyPr/>
-          <a:lstStyle>
-            <a:lvl1pPr>
-              <a:defRPr/>
-            </a:lvl1pPr>
-          </a:lstStyle>
-          <a:p>
-            <a:pPr>
-              <a:defRPr/>
-            </a:pPr>
-            <a:endParaRPr lang="en-US"/>
-          </a:p>
-        </p:txBody>
-      </p:sp>
-      <p:sp>
-        <p:nvSpPr>
-          <p:cNvPr id="6" name="Slide Number Placeholder 5">
-            <a:extLst>
-              <a:ext uri="{FF2B5EF4-FFF2-40B4-BE49-F238E27FC236}">
-                <a16:creationId xmlns:a16="http://schemas.microsoft.com/office/drawing/2014/main" id="{EFA19DAC-4636-CB79-8DE1-2E8429B434C3}"/>
-              </a:ext>
-            </a:extLst>
-          </p:cNvPr>
-          <p:cNvSpPr>
-            <a:spLocks noGrp="1"/>
-          </p:cNvSpPr>
-          <p:nvPr>
-            <p:ph type="sldNum" sz="quarter" idx="12"/>
-          </p:nvPr>
-        </p:nvSpPr>
-        <p:spPr/>
-        <p:txBody>
-          <a:bodyPr/>
-          <a:lstStyle>
-            <a:lvl1pPr>
-              <a:defRPr/>
-            </a:lvl1pPr>
-          </a:lstStyle>
-          <a:p>
-            <a:fld id="{1B2E3FD7-7CDC-804B-ABFB-6BEB3C9F90C6}" type="slidenum">
-              <a:rPr lang="en-US" altLang="pl-PL"/>
-              <a:pPr/>
-              <a:t>‹#›</a:t>
-            </a:fld>
-            <a:endParaRPr lang="en-US" altLang="pl-PL"/>
-          </a:p>
-        </p:txBody>
-      </p:sp>
-    </p:spTree>
-    <p:extLst>
-      <p:ext uri="{BB962C8B-B14F-4D97-AF65-F5344CB8AC3E}">
-        <p14:creationId xmlns:p14="http://schemas.microsoft.com/office/powerpoint/2010/main" val="4048091563"/>
-      </p:ext>
-    </p:extLst>
-  </p:cSld>
-  <p:clrMapOvr>
-    <a:masterClrMapping/>
-  </p:clrMapOvr>
-</p:sldLayout>
-</file>
-
-<file path=ppt/slideLayouts/slideLayout22.xml><?xml version="1.0" encoding="utf-8"?>
-<p:sldLayout xmlns:a="http://schemas.openxmlformats.org/drawingml/2006/main" xmlns:r="http://schemas.openxmlformats.org/officeDocument/2006/relationships" xmlns:p="http://schemas.openxmlformats.org/presentationml/2006/main" type="vertTitleAndTx" preserve="1">
-  <p:cSld name="Tytuł pionowy i tekst">
-    <p:spTree>
-      <p:nvGrpSpPr>
-        <p:cNvPr id="1" name=""/>
-        <p:cNvGrpSpPr/>
-        <p:nvPr/>
-      </p:nvGrpSpPr>
-      <p:grpSpPr>
-        <a:xfrm>
-          <a:off x="0" y="0"/>
-          <a:ext cx="0" cy="0"/>
-          <a:chOff x="0" y="0"/>
-          <a:chExt cx="0" cy="0"/>
-        </a:xfrm>
-      </p:grpSpPr>
-      <p:sp>
-        <p:nvSpPr>
-          <p:cNvPr id="2" name="Vertical Title 1"/>
-          <p:cNvSpPr>
-            <a:spLocks noGrp="1"/>
-          </p:cNvSpPr>
-          <p:nvPr>
-            <p:ph type="title" orient="vert"/>
-          </p:nvPr>
-        </p:nvSpPr>
-        <p:spPr>
-          <a:xfrm>
-            <a:off x="9613295" y="402314"/>
-            <a:ext cx="2896582" cy="6403784"/>
-          </a:xfrm>
-        </p:spPr>
-        <p:txBody>
-          <a:bodyPr vert="eaVert"/>
-          <a:lstStyle/>
-          <a:p>
-            <a:r>
-              <a:rPr lang="pl-PL"/>
-              <a:t>Kliknij, aby edytować styl</a:t>
-            </a:r>
-            <a:endParaRPr lang="en-US" dirty="0"/>
-          </a:p>
-        </p:txBody>
-      </p:sp>
-      <p:sp>
-        <p:nvSpPr>
-          <p:cNvPr id="3" name="Vertical Text Placeholder 2"/>
-          <p:cNvSpPr>
-            <a:spLocks noGrp="1"/>
-          </p:cNvSpPr>
-          <p:nvPr>
-            <p:ph type="body" orient="vert" idx="1"/>
-          </p:nvPr>
-        </p:nvSpPr>
-        <p:spPr>
-          <a:xfrm>
-            <a:off x="923548" y="402314"/>
-            <a:ext cx="8521829" cy="6403784"/>
-          </a:xfrm>
-        </p:spPr>
-        <p:txBody>
-          <a:bodyPr vert="eaVert"/>
-          <a:lstStyle/>
-          <a:p>
-            <a:pPr lvl="0"/>
-            <a:r>
-              <a:rPr lang="pl-PL"/>
-              <a:t>Kliknij, aby edytować style wzorca tekstu</a:t>
-            </a:r>
-          </a:p>
-          <a:p>
-            <a:pPr lvl="1"/>
-            <a:r>
-              <a:rPr lang="pl-PL"/>
-              <a:t>Drugi poziom</a:t>
-            </a:r>
-          </a:p>
-          <a:p>
-            <a:pPr lvl="2"/>
-            <a:r>
-              <a:rPr lang="pl-PL"/>
-              <a:t>Trzeci poziom</a:t>
-            </a:r>
-          </a:p>
-          <a:p>
-            <a:pPr lvl="3"/>
-            <a:r>
-              <a:rPr lang="pl-PL"/>
-              <a:t>Czwarty poziom</a:t>
-            </a:r>
-          </a:p>
-          <a:p>
-            <a:pPr lvl="4"/>
-            <a:r>
-              <a:rPr lang="pl-PL"/>
-              <a:t>Piąty poziom</a:t>
-            </a:r>
-            <a:endParaRPr lang="en-US" dirty="0"/>
-          </a:p>
-        </p:txBody>
-      </p:sp>
-      <p:sp>
-        <p:nvSpPr>
-          <p:cNvPr id="4" name="Date Placeholder 3">
-            <a:extLst>
-              <a:ext uri="{FF2B5EF4-FFF2-40B4-BE49-F238E27FC236}">
-                <a16:creationId xmlns:a16="http://schemas.microsoft.com/office/drawing/2014/main" id="{101EF7BD-76F0-0C27-FA72-410C113F1A8F}"/>
-              </a:ext>
-            </a:extLst>
-          </p:cNvPr>
-          <p:cNvSpPr>
-            <a:spLocks noGrp="1"/>
-          </p:cNvSpPr>
-          <p:nvPr>
-            <p:ph type="dt" sz="half" idx="10"/>
-          </p:nvPr>
-        </p:nvSpPr>
-        <p:spPr/>
-        <p:txBody>
-          <a:bodyPr/>
-          <a:lstStyle>
-            <a:lvl1pPr>
-              <a:defRPr/>
-            </a:lvl1pPr>
-          </a:lstStyle>
-          <a:p>
-            <a:pPr>
-              <a:defRPr/>
-            </a:pPr>
-            <a:fld id="{7FFE06AD-6D49-144A-B28C-F6389CAA332D}" type="datetimeFigureOut">
-              <a:rPr lang="en-US"/>
-              <a:pPr>
-                <a:defRPr/>
-              </a:pPr>
-              <a:t>1/20/25</a:t>
-            </a:fld>
-            <a:endParaRPr lang="en-US"/>
-          </a:p>
-        </p:txBody>
-      </p:sp>
-      <p:sp>
-        <p:nvSpPr>
-          <p:cNvPr id="5" name="Footer Placeholder 4">
-            <a:extLst>
-              <a:ext uri="{FF2B5EF4-FFF2-40B4-BE49-F238E27FC236}">
-                <a16:creationId xmlns:a16="http://schemas.microsoft.com/office/drawing/2014/main" id="{A996AEEC-4B0E-A29E-15D1-58DCDE90BAE2}"/>
-              </a:ext>
-            </a:extLst>
-          </p:cNvPr>
-          <p:cNvSpPr>
-            <a:spLocks noGrp="1"/>
-          </p:cNvSpPr>
-          <p:nvPr>
-            <p:ph type="ftr" sz="quarter" idx="11"/>
-          </p:nvPr>
-        </p:nvSpPr>
-        <p:spPr/>
-        <p:txBody>
-          <a:bodyPr/>
-          <a:lstStyle>
-            <a:lvl1pPr>
-              <a:defRPr/>
-            </a:lvl1pPr>
-          </a:lstStyle>
-          <a:p>
-            <a:pPr>
-              <a:defRPr/>
-            </a:pPr>
-            <a:endParaRPr lang="en-US"/>
-          </a:p>
-        </p:txBody>
-      </p:sp>
-      <p:sp>
-        <p:nvSpPr>
-          <p:cNvPr id="6" name="Slide Number Placeholder 5">
-            <a:extLst>
-              <a:ext uri="{FF2B5EF4-FFF2-40B4-BE49-F238E27FC236}">
-                <a16:creationId xmlns:a16="http://schemas.microsoft.com/office/drawing/2014/main" id="{2AE52FE6-865A-FF63-DBDD-B87B1A60CD36}"/>
-              </a:ext>
-            </a:extLst>
-          </p:cNvPr>
-          <p:cNvSpPr>
-            <a:spLocks noGrp="1"/>
-          </p:cNvSpPr>
-          <p:nvPr>
-            <p:ph type="sldNum" sz="quarter" idx="12"/>
-          </p:nvPr>
-        </p:nvSpPr>
-        <p:spPr/>
-        <p:txBody>
-          <a:bodyPr/>
-          <a:lstStyle>
-            <a:lvl1pPr>
-              <a:defRPr/>
-            </a:lvl1pPr>
-          </a:lstStyle>
-          <a:p>
-            <a:fld id="{96CF6B0E-6E59-2048-9EB5-F012A19100C6}" type="slidenum">
-              <a:rPr lang="en-US" altLang="pl-PL"/>
-              <a:pPr/>
-              <a:t>‹#›</a:t>
-            </a:fld>
-            <a:endParaRPr lang="en-US" altLang="pl-PL"/>
-          </a:p>
-        </p:txBody>
-      </p:sp>
-    </p:spTree>
-    <p:extLst>
-      <p:ext uri="{BB962C8B-B14F-4D97-AF65-F5344CB8AC3E}">
-        <p14:creationId xmlns:p14="http://schemas.microsoft.com/office/powerpoint/2010/main" val="184746106"/>
-      </p:ext>
-    </p:extLst>
-  </p:cSld>
-  <p:clrMapOvr>
-    <a:masterClrMapping/>
-  </p:clrMapOvr>
-</p:sldLayout>
-</file>
-
-<file path=ppt/slideLayouts/slideLayout3.xml><?xml version="1.0" encoding="utf-8"?>
-<p:sldLayout xmlns:a="http://schemas.openxmlformats.org/drawingml/2006/main" xmlns:r="http://schemas.openxmlformats.org/officeDocument/2006/relationships" xmlns:p="http://schemas.openxmlformats.org/presentationml/2006/main" type="secHead" preserve="1">
-  <p:cSld name="Nagłówek sekcji">
-    <p:spTree>
-      <p:nvGrpSpPr>
-        <p:cNvPr id="1" name=""/>
-        <p:cNvGrpSpPr/>
-        <p:nvPr/>
-      </p:nvGrpSpPr>
-      <p:grpSpPr>
-        <a:xfrm>
-          <a:off x="0" y="0"/>
-          <a:ext cx="0" cy="0"/>
-          <a:chOff x="0" y="0"/>
-          <a:chExt cx="0" cy="0"/>
-        </a:xfrm>
-      </p:grpSpPr>
-      <p:sp>
-        <p:nvSpPr>
-          <p:cNvPr id="2" name="Title 1"/>
-          <p:cNvSpPr>
-            <a:spLocks noGrp="1"/>
-          </p:cNvSpPr>
-          <p:nvPr>
-            <p:ph type="title"/>
-          </p:nvPr>
-        </p:nvSpPr>
-        <p:spPr>
-          <a:xfrm>
-            <a:off x="916551" y="1883878"/>
-            <a:ext cx="11586329" cy="3143294"/>
-          </a:xfrm>
-        </p:spPr>
-        <p:txBody>
-          <a:bodyPr anchor="b"/>
-          <a:lstStyle>
-            <a:lvl1pPr>
-              <a:defRPr sz="6611"/>
-            </a:lvl1pPr>
-          </a:lstStyle>
-          <a:p>
-            <a:r>
-              <a:rPr lang="pl-PL"/>
-              <a:t>Kliknij, aby edytować styl</a:t>
-            </a:r>
-            <a:endParaRPr lang="en-US" dirty="0"/>
-          </a:p>
-        </p:txBody>
-      </p:sp>
-      <p:sp>
-        <p:nvSpPr>
-          <p:cNvPr id="3" name="Text Placeholder 2"/>
-          <p:cNvSpPr>
-            <a:spLocks noGrp="1"/>
-          </p:cNvSpPr>
-          <p:nvPr>
-            <p:ph type="body" idx="1"/>
-          </p:nvPr>
-        </p:nvSpPr>
-        <p:spPr>
-          <a:xfrm>
-            <a:off x="916551" y="5056909"/>
-            <a:ext cx="11586329" cy="1652984"/>
-          </a:xfrm>
-        </p:spPr>
-        <p:txBody>
-          <a:bodyPr/>
-          <a:lstStyle>
-            <a:lvl1pPr marL="0" indent="0">
-              <a:buNone/>
-              <a:defRPr sz="2644">
-                <a:solidFill>
-                  <a:schemeClr val="tx1">
-                    <a:tint val="75000"/>
-                  </a:schemeClr>
-                </a:solidFill>
-              </a:defRPr>
-            </a:lvl1pPr>
-            <a:lvl2pPr marL="503743" indent="0">
-              <a:buNone/>
-              <a:defRPr sz="2204">
-                <a:solidFill>
-                  <a:schemeClr val="tx1">
-                    <a:tint val="75000"/>
-                  </a:schemeClr>
-                </a:solidFill>
-              </a:defRPr>
-            </a:lvl2pPr>
-            <a:lvl3pPr marL="1007486" indent="0">
-              <a:buNone/>
-              <a:defRPr sz="1983">
-                <a:solidFill>
-                  <a:schemeClr val="tx1">
-                    <a:tint val="75000"/>
-                  </a:schemeClr>
-                </a:solidFill>
-              </a:defRPr>
-            </a:lvl3pPr>
-            <a:lvl4pPr marL="1511229" indent="0">
-              <a:buNone/>
-              <a:defRPr sz="1763">
-                <a:solidFill>
-                  <a:schemeClr val="tx1">
-                    <a:tint val="75000"/>
-                  </a:schemeClr>
-                </a:solidFill>
-              </a:defRPr>
-            </a:lvl4pPr>
-            <a:lvl5pPr marL="2014972" indent="0">
-              <a:buNone/>
-              <a:defRPr sz="1763">
-                <a:solidFill>
-                  <a:schemeClr val="tx1">
-                    <a:tint val="75000"/>
-                  </a:schemeClr>
-                </a:solidFill>
-              </a:defRPr>
-            </a:lvl5pPr>
-            <a:lvl6pPr marL="2518715" indent="0">
-              <a:buNone/>
-              <a:defRPr sz="1763">
-                <a:solidFill>
-                  <a:schemeClr val="tx1">
-                    <a:tint val="75000"/>
-                  </a:schemeClr>
-                </a:solidFill>
-              </a:defRPr>
-            </a:lvl6pPr>
-            <a:lvl7pPr marL="3022458" indent="0">
-              <a:buNone/>
-              <a:defRPr sz="1763">
-                <a:solidFill>
-                  <a:schemeClr val="tx1">
-                    <a:tint val="75000"/>
-                  </a:schemeClr>
-                </a:solidFill>
-              </a:defRPr>
-            </a:lvl7pPr>
-            <a:lvl8pPr marL="3526201" indent="0">
-              <a:buNone/>
-              <a:defRPr sz="1763">
-                <a:solidFill>
-                  <a:schemeClr val="tx1">
-                    <a:tint val="75000"/>
-                  </a:schemeClr>
-                </a:solidFill>
-              </a:defRPr>
-            </a:lvl8pPr>
-            <a:lvl9pPr marL="4029944" indent="0">
-              <a:buNone/>
-              <a:defRPr sz="1763">
-                <a:solidFill>
-                  <a:schemeClr val="tx1">
-                    <a:tint val="75000"/>
-                  </a:schemeClr>
-                </a:solidFill>
-              </a:defRPr>
-            </a:lvl9pPr>
-          </a:lstStyle>
-          <a:p>
-            <a:pPr lvl="0"/>
-            <a:r>
-              <a:rPr lang="pl-PL"/>
-              <a:t>Kliknij, aby edytować style wzorca tekstu</a:t>
-            </a:r>
-          </a:p>
-        </p:txBody>
-      </p:sp>
-      <p:sp>
-        <p:nvSpPr>
-          <p:cNvPr id="4" name="Date Placeholder 3">
-            <a:extLst>
-              <a:ext uri="{FF2B5EF4-FFF2-40B4-BE49-F238E27FC236}">
-                <a16:creationId xmlns:a16="http://schemas.microsoft.com/office/drawing/2014/main" id="{94891BDB-532A-4703-B927-91D4B48F1440}"/>
-              </a:ext>
-            </a:extLst>
-          </p:cNvPr>
-          <p:cNvSpPr>
-            <a:spLocks noGrp="1"/>
-          </p:cNvSpPr>
-          <p:nvPr>
-            <p:ph type="dt" sz="half" idx="10"/>
-          </p:nvPr>
-        </p:nvSpPr>
-        <p:spPr/>
-        <p:txBody>
-          <a:bodyPr/>
-          <a:lstStyle>
-            <a:lvl1pPr>
-              <a:defRPr/>
-            </a:lvl1pPr>
-          </a:lstStyle>
-          <a:p>
-            <a:pPr>
-              <a:defRPr/>
-            </a:pPr>
-            <a:fld id="{D7ABF9BD-CCCC-0A47-A03F-12E3E5F47D9A}" type="datetimeFigureOut">
-              <a:rPr lang="en-US"/>
-              <a:pPr>
-                <a:defRPr/>
-              </a:pPr>
-              <a:t>1/20/25</a:t>
-            </a:fld>
-            <a:endParaRPr lang="en-US"/>
-          </a:p>
-        </p:txBody>
-      </p:sp>
-      <p:sp>
-        <p:nvSpPr>
-          <p:cNvPr id="5" name="Footer Placeholder 4">
-            <a:extLst>
-              <a:ext uri="{FF2B5EF4-FFF2-40B4-BE49-F238E27FC236}">
-                <a16:creationId xmlns:a16="http://schemas.microsoft.com/office/drawing/2014/main" id="{399BE753-D974-27A9-D336-B98A475EC2B7}"/>
-              </a:ext>
-            </a:extLst>
-          </p:cNvPr>
-          <p:cNvSpPr>
-            <a:spLocks noGrp="1"/>
-          </p:cNvSpPr>
-          <p:nvPr>
-            <p:ph type="ftr" sz="quarter" idx="11"/>
-          </p:nvPr>
-        </p:nvSpPr>
-        <p:spPr/>
-        <p:txBody>
-          <a:bodyPr/>
-          <a:lstStyle>
-            <a:lvl1pPr>
-              <a:defRPr/>
-            </a:lvl1pPr>
-          </a:lstStyle>
-          <a:p>
-            <a:pPr>
-              <a:defRPr/>
-            </a:pPr>
-            <a:endParaRPr lang="en-US"/>
-          </a:p>
-        </p:txBody>
-      </p:sp>
-      <p:sp>
-        <p:nvSpPr>
-          <p:cNvPr id="6" name="Slide Number Placeholder 5">
-            <a:extLst>
-              <a:ext uri="{FF2B5EF4-FFF2-40B4-BE49-F238E27FC236}">
-                <a16:creationId xmlns:a16="http://schemas.microsoft.com/office/drawing/2014/main" id="{8E17F8FC-FC46-E1EB-2F0E-B272E77EECEE}"/>
-              </a:ext>
-            </a:extLst>
-          </p:cNvPr>
-          <p:cNvSpPr>
-            <a:spLocks noGrp="1"/>
-          </p:cNvSpPr>
-          <p:nvPr>
-            <p:ph type="sldNum" sz="quarter" idx="12"/>
-          </p:nvPr>
-        </p:nvSpPr>
-        <p:spPr/>
-        <p:txBody>
-          <a:bodyPr/>
-          <a:lstStyle>
-            <a:lvl1pPr>
-              <a:defRPr/>
-            </a:lvl1pPr>
-          </a:lstStyle>
-          <a:p>
-            <a:fld id="{B90C220F-6F8E-9C4C-AB0A-EDDBD65F79A8}" type="slidenum">
-              <a:rPr lang="en-US" altLang="pl-PL"/>
-              <a:pPr/>
-              <a:t>‹#›</a:t>
-            </a:fld>
-            <a:endParaRPr lang="en-US" altLang="pl-PL"/>
-          </a:p>
-        </p:txBody>
-      </p:sp>
-    </p:spTree>
-    <p:extLst>
-      <p:ext uri="{BB962C8B-B14F-4D97-AF65-F5344CB8AC3E}">
-        <p14:creationId xmlns:p14="http://schemas.microsoft.com/office/powerpoint/2010/main" val="1905815891"/>
-      </p:ext>
-    </p:extLst>
-  </p:cSld>
-  <p:clrMapOvr>
-    <a:masterClrMapping/>
-  </p:clrMapOvr>
-</p:sldLayout>
-</file>
-
-<file path=ppt/slideLayouts/slideLayout4.xml><?xml version="1.0" encoding="utf-8"?>
-<p:sldLayout xmlns:a="http://schemas.openxmlformats.org/drawingml/2006/main" xmlns:r="http://schemas.openxmlformats.org/officeDocument/2006/relationships" xmlns:p="http://schemas.openxmlformats.org/presentationml/2006/main" type="twoObj" preserve="1">
-  <p:cSld name="Dwa elementy zawartości">
-    <p:spTree>
-      <p:nvGrpSpPr>
-        <p:cNvPr id="1" name=""/>
-        <p:cNvGrpSpPr/>
-        <p:nvPr/>
-      </p:nvGrpSpPr>
-      <p:grpSpPr>
-        <a:xfrm>
-          <a:off x="0" y="0"/>
-          <a:ext cx="0" cy="0"/>
-          <a:chOff x="0" y="0"/>
-          <a:chExt cx="0" cy="0"/>
-        </a:xfrm>
-      </p:grpSpPr>
-      <p:sp>
-        <p:nvSpPr>
-          <p:cNvPr id="2" name="Title 1"/>
-          <p:cNvSpPr>
-            <a:spLocks noGrp="1"/>
-          </p:cNvSpPr>
-          <p:nvPr>
-            <p:ph type="title"/>
-          </p:nvPr>
-        </p:nvSpPr>
-        <p:spPr/>
-        <p:txBody>
-          <a:bodyPr/>
-          <a:lstStyle/>
-          <a:p>
-            <a:r>
-              <a:rPr lang="pl-PL"/>
-              <a:t>Kliknij, aby edytować styl</a:t>
-            </a:r>
-            <a:endParaRPr lang="en-US" dirty="0"/>
-          </a:p>
-        </p:txBody>
-      </p:sp>
-      <p:sp>
-        <p:nvSpPr>
-          <p:cNvPr id="3" name="Content Placeholder 2"/>
-          <p:cNvSpPr>
-            <a:spLocks noGrp="1"/>
-          </p:cNvSpPr>
-          <p:nvPr>
-            <p:ph sz="half" idx="1"/>
-          </p:nvPr>
-        </p:nvSpPr>
-        <p:spPr>
-          <a:xfrm>
-            <a:off x="923548" y="2011568"/>
-            <a:ext cx="5709206" cy="4794530"/>
-          </a:xfrm>
-        </p:spPr>
-        <p:txBody>
-          <a:bodyPr/>
-          <a:lstStyle/>
-          <a:p>
-            <a:pPr lvl="0"/>
-            <a:r>
-              <a:rPr lang="pl-PL"/>
-              <a:t>Kliknij, aby edytować style wzorca tekstu</a:t>
-            </a:r>
-          </a:p>
-          <a:p>
-            <a:pPr lvl="1"/>
-            <a:r>
-              <a:rPr lang="pl-PL"/>
-              <a:t>Drugi poziom</a:t>
-            </a:r>
-          </a:p>
-          <a:p>
-            <a:pPr lvl="2"/>
-            <a:r>
-              <a:rPr lang="pl-PL"/>
-              <a:t>Trzeci poziom</a:t>
-            </a:r>
-          </a:p>
-          <a:p>
-            <a:pPr lvl="3"/>
-            <a:r>
-              <a:rPr lang="pl-PL"/>
-              <a:t>Czwarty poziom</a:t>
-            </a:r>
-          </a:p>
-          <a:p>
-            <a:pPr lvl="4"/>
-            <a:r>
-              <a:rPr lang="pl-PL"/>
-              <a:t>Piąty poziom</a:t>
-            </a:r>
-            <a:endParaRPr lang="en-US" dirty="0"/>
-          </a:p>
-        </p:txBody>
-      </p:sp>
-      <p:sp>
-        <p:nvSpPr>
-          <p:cNvPr id="4" name="Content Placeholder 3"/>
-          <p:cNvSpPr>
-            <a:spLocks noGrp="1"/>
-          </p:cNvSpPr>
-          <p:nvPr>
-            <p:ph sz="half" idx="2"/>
-          </p:nvPr>
-        </p:nvSpPr>
-        <p:spPr>
-          <a:xfrm>
-            <a:off x="6800671" y="2011568"/>
-            <a:ext cx="5709206" cy="4794530"/>
-          </a:xfrm>
-        </p:spPr>
-        <p:txBody>
-          <a:bodyPr/>
-          <a:lstStyle/>
-          <a:p>
-            <a:pPr lvl="0"/>
-            <a:r>
-              <a:rPr lang="pl-PL"/>
-              <a:t>Kliknij, aby edytować style wzorca tekstu</a:t>
-            </a:r>
-          </a:p>
-          <a:p>
-            <a:pPr lvl="1"/>
-            <a:r>
-              <a:rPr lang="pl-PL"/>
-              <a:t>Drugi poziom</a:t>
-            </a:r>
-          </a:p>
-          <a:p>
-            <a:pPr lvl="2"/>
-            <a:r>
-              <a:rPr lang="pl-PL"/>
-              <a:t>Trzeci poziom</a:t>
-            </a:r>
-          </a:p>
-          <a:p>
-            <a:pPr lvl="3"/>
-            <a:r>
-              <a:rPr lang="pl-PL"/>
-              <a:t>Czwarty poziom</a:t>
-            </a:r>
-          </a:p>
-          <a:p>
-            <a:pPr lvl="4"/>
-            <a:r>
-              <a:rPr lang="pl-PL"/>
-              <a:t>Piąty poziom</a:t>
-            </a:r>
-            <a:endParaRPr lang="en-US" dirty="0"/>
-          </a:p>
-        </p:txBody>
-      </p:sp>
-      <p:sp>
-        <p:nvSpPr>
-          <p:cNvPr id="5" name="Date Placeholder 3">
-            <a:extLst>
-              <a:ext uri="{FF2B5EF4-FFF2-40B4-BE49-F238E27FC236}">
-                <a16:creationId xmlns:a16="http://schemas.microsoft.com/office/drawing/2014/main" id="{8A2DD321-DA67-B6E6-0D27-A622FA5A1A2E}"/>
-              </a:ext>
-            </a:extLst>
-          </p:cNvPr>
-          <p:cNvSpPr>
-            <a:spLocks noGrp="1"/>
-          </p:cNvSpPr>
-          <p:nvPr>
-            <p:ph type="dt" sz="half" idx="10"/>
-          </p:nvPr>
-        </p:nvSpPr>
-        <p:spPr/>
-        <p:txBody>
-          <a:bodyPr/>
-          <a:lstStyle>
-            <a:lvl1pPr>
-              <a:defRPr/>
-            </a:lvl1pPr>
-          </a:lstStyle>
-          <a:p>
-            <a:pPr>
-              <a:defRPr/>
-            </a:pPr>
-            <a:fld id="{60DE2B3A-6F3E-B84E-B21C-8E0C8B105477}" type="datetimeFigureOut">
-              <a:rPr lang="en-US"/>
-              <a:pPr>
-                <a:defRPr/>
-              </a:pPr>
-              <a:t>1/20/25</a:t>
-            </a:fld>
-            <a:endParaRPr lang="en-US"/>
-          </a:p>
-        </p:txBody>
-      </p:sp>
-      <p:sp>
-        <p:nvSpPr>
-          <p:cNvPr id="6" name="Footer Placeholder 4">
-            <a:extLst>
-              <a:ext uri="{FF2B5EF4-FFF2-40B4-BE49-F238E27FC236}">
-                <a16:creationId xmlns:a16="http://schemas.microsoft.com/office/drawing/2014/main" id="{C0DA37C7-01C2-DEB0-E70C-678C94727254}"/>
-              </a:ext>
-            </a:extLst>
-          </p:cNvPr>
-          <p:cNvSpPr>
-            <a:spLocks noGrp="1"/>
-          </p:cNvSpPr>
-          <p:nvPr>
-            <p:ph type="ftr" sz="quarter" idx="11"/>
-          </p:nvPr>
-        </p:nvSpPr>
-        <p:spPr/>
-        <p:txBody>
-          <a:bodyPr/>
-          <a:lstStyle>
-            <a:lvl1pPr>
-              <a:defRPr/>
-            </a:lvl1pPr>
-          </a:lstStyle>
-          <a:p>
-            <a:pPr>
-              <a:defRPr/>
-            </a:pPr>
-            <a:endParaRPr lang="en-US"/>
-          </a:p>
-        </p:txBody>
-      </p:sp>
-      <p:sp>
-        <p:nvSpPr>
-          <p:cNvPr id="7" name="Slide Number Placeholder 5">
-            <a:extLst>
-              <a:ext uri="{FF2B5EF4-FFF2-40B4-BE49-F238E27FC236}">
-                <a16:creationId xmlns:a16="http://schemas.microsoft.com/office/drawing/2014/main" id="{38F61CF9-AC3F-0ECC-E426-4B2B8D322EDF}"/>
-              </a:ext>
-            </a:extLst>
-          </p:cNvPr>
-          <p:cNvSpPr>
-            <a:spLocks noGrp="1"/>
-          </p:cNvSpPr>
-          <p:nvPr>
-            <p:ph type="sldNum" sz="quarter" idx="12"/>
-          </p:nvPr>
-        </p:nvSpPr>
-        <p:spPr/>
-        <p:txBody>
-          <a:bodyPr/>
-          <a:lstStyle>
-            <a:lvl1pPr>
-              <a:defRPr/>
-            </a:lvl1pPr>
-          </a:lstStyle>
-          <a:p>
-            <a:fld id="{E95FD875-E476-2147-99E8-3723C263F702}" type="slidenum">
-              <a:rPr lang="en-US" altLang="pl-PL"/>
-              <a:pPr/>
-              <a:t>‹#›</a:t>
-            </a:fld>
-            <a:endParaRPr lang="en-US" altLang="pl-PL"/>
-          </a:p>
-        </p:txBody>
-      </p:sp>
-    </p:spTree>
-    <p:extLst>
-      <p:ext uri="{BB962C8B-B14F-4D97-AF65-F5344CB8AC3E}">
-        <p14:creationId xmlns:p14="http://schemas.microsoft.com/office/powerpoint/2010/main" val="3883977650"/>
-      </p:ext>
-    </p:extLst>
-  </p:cSld>
-  <p:clrMapOvr>
-    <a:masterClrMapping/>
-  </p:clrMapOvr>
-</p:sldLayout>
-</file>
-
-<file path=ppt/slideLayouts/slideLayout5.xml><?xml version="1.0" encoding="utf-8"?>
-<p:sldLayout xmlns:a="http://schemas.openxmlformats.org/drawingml/2006/main" xmlns:r="http://schemas.openxmlformats.org/officeDocument/2006/relationships" xmlns:p="http://schemas.openxmlformats.org/presentationml/2006/main" type="twoTxTwoObj" preserve="1">
-  <p:cSld name="Porównanie">
-    <p:spTree>
-      <p:nvGrpSpPr>
-        <p:cNvPr id="1" name=""/>
-        <p:cNvGrpSpPr/>
-        <p:nvPr/>
-      </p:nvGrpSpPr>
-      <p:grpSpPr>
-        <a:xfrm>
-          <a:off x="0" y="0"/>
-          <a:ext cx="0" cy="0"/>
-          <a:chOff x="0" y="0"/>
-          <a:chExt cx="0" cy="0"/>
-        </a:xfrm>
-      </p:grpSpPr>
-      <p:sp>
-        <p:nvSpPr>
-          <p:cNvPr id="2" name="Title 1"/>
-          <p:cNvSpPr>
-            <a:spLocks noGrp="1"/>
-          </p:cNvSpPr>
-          <p:nvPr>
-            <p:ph type="title"/>
-          </p:nvPr>
-        </p:nvSpPr>
-        <p:spPr>
-          <a:xfrm>
-            <a:off x="925298" y="402314"/>
-            <a:ext cx="11586329" cy="1460574"/>
-          </a:xfrm>
-        </p:spPr>
-        <p:txBody>
-          <a:bodyPr/>
-          <a:lstStyle/>
-          <a:p>
-            <a:r>
-              <a:rPr lang="pl-PL"/>
-              <a:t>Kliknij, aby edytować styl</a:t>
-            </a:r>
-            <a:endParaRPr lang="en-US" dirty="0"/>
-          </a:p>
-        </p:txBody>
-      </p:sp>
-      <p:sp>
-        <p:nvSpPr>
-          <p:cNvPr id="3" name="Text Placeholder 2"/>
-          <p:cNvSpPr>
-            <a:spLocks noGrp="1"/>
-          </p:cNvSpPr>
-          <p:nvPr>
-            <p:ph type="body" idx="1"/>
-          </p:nvPr>
-        </p:nvSpPr>
-        <p:spPr>
-          <a:xfrm>
-            <a:off x="925298" y="1852393"/>
-            <a:ext cx="5682968" cy="907829"/>
-          </a:xfrm>
-        </p:spPr>
-        <p:txBody>
-          <a:bodyPr anchor="b"/>
-          <a:lstStyle>
-            <a:lvl1pPr marL="0" indent="0">
-              <a:buNone/>
-              <a:defRPr sz="2644" b="1"/>
-            </a:lvl1pPr>
-            <a:lvl2pPr marL="503743" indent="0">
-              <a:buNone/>
-              <a:defRPr sz="2204" b="1"/>
-            </a:lvl2pPr>
-            <a:lvl3pPr marL="1007486" indent="0">
-              <a:buNone/>
-              <a:defRPr sz="1983" b="1"/>
-            </a:lvl3pPr>
-            <a:lvl4pPr marL="1511229" indent="0">
-              <a:buNone/>
-              <a:defRPr sz="1763" b="1"/>
-            </a:lvl4pPr>
-            <a:lvl5pPr marL="2014972" indent="0">
-              <a:buNone/>
-              <a:defRPr sz="1763" b="1"/>
-            </a:lvl5pPr>
-            <a:lvl6pPr marL="2518715" indent="0">
-              <a:buNone/>
-              <a:defRPr sz="1763" b="1"/>
-            </a:lvl6pPr>
-            <a:lvl7pPr marL="3022458" indent="0">
-              <a:buNone/>
-              <a:defRPr sz="1763" b="1"/>
-            </a:lvl7pPr>
-            <a:lvl8pPr marL="3526201" indent="0">
-              <a:buNone/>
-              <a:defRPr sz="1763" b="1"/>
-            </a:lvl8pPr>
-            <a:lvl9pPr marL="4029944" indent="0">
-              <a:buNone/>
-              <a:defRPr sz="1763" b="1"/>
-            </a:lvl9pPr>
-          </a:lstStyle>
-          <a:p>
-            <a:pPr lvl="0"/>
-            <a:r>
-              <a:rPr lang="pl-PL"/>
-              <a:t>Kliknij, aby edytować style wzorca tekstu</a:t>
-            </a:r>
-          </a:p>
-        </p:txBody>
-      </p:sp>
-      <p:sp>
-        <p:nvSpPr>
-          <p:cNvPr id="4" name="Content Placeholder 3"/>
-          <p:cNvSpPr>
-            <a:spLocks noGrp="1"/>
-          </p:cNvSpPr>
-          <p:nvPr>
-            <p:ph sz="half" idx="2"/>
-          </p:nvPr>
-        </p:nvSpPr>
-        <p:spPr>
-          <a:xfrm>
-            <a:off x="925298" y="2760222"/>
-            <a:ext cx="5682968" cy="4059870"/>
-          </a:xfrm>
-        </p:spPr>
-        <p:txBody>
-          <a:bodyPr/>
-          <a:lstStyle/>
-          <a:p>
-            <a:pPr lvl="0"/>
-            <a:r>
-              <a:rPr lang="pl-PL"/>
-              <a:t>Kliknij, aby edytować style wzorca tekstu</a:t>
-            </a:r>
-          </a:p>
-          <a:p>
-            <a:pPr lvl="1"/>
-            <a:r>
-              <a:rPr lang="pl-PL"/>
-              <a:t>Drugi poziom</a:t>
-            </a:r>
-          </a:p>
-          <a:p>
-            <a:pPr lvl="2"/>
-            <a:r>
-              <a:rPr lang="pl-PL"/>
-              <a:t>Trzeci poziom</a:t>
-            </a:r>
-          </a:p>
-          <a:p>
-            <a:pPr lvl="3"/>
-            <a:r>
-              <a:rPr lang="pl-PL"/>
-              <a:t>Czwarty poziom</a:t>
-            </a:r>
-          </a:p>
-          <a:p>
-            <a:pPr lvl="4"/>
-            <a:r>
-              <a:rPr lang="pl-PL"/>
-              <a:t>Piąty poziom</a:t>
-            </a:r>
-            <a:endParaRPr lang="en-US" dirty="0"/>
-          </a:p>
-        </p:txBody>
-      </p:sp>
-      <p:sp>
-        <p:nvSpPr>
-          <p:cNvPr id="5" name="Text Placeholder 4"/>
-          <p:cNvSpPr>
-            <a:spLocks noGrp="1"/>
-          </p:cNvSpPr>
-          <p:nvPr>
-            <p:ph type="body" sz="quarter" idx="3"/>
-          </p:nvPr>
-        </p:nvSpPr>
-        <p:spPr>
-          <a:xfrm>
-            <a:off x="6800672" y="1852393"/>
-            <a:ext cx="5710955" cy="907829"/>
-          </a:xfrm>
-        </p:spPr>
-        <p:txBody>
-          <a:bodyPr anchor="b"/>
-          <a:lstStyle>
-            <a:lvl1pPr marL="0" indent="0">
-              <a:buNone/>
-              <a:defRPr sz="2644" b="1"/>
-            </a:lvl1pPr>
-            <a:lvl2pPr marL="503743" indent="0">
-              <a:buNone/>
-              <a:defRPr sz="2204" b="1"/>
-            </a:lvl2pPr>
-            <a:lvl3pPr marL="1007486" indent="0">
-              <a:buNone/>
-              <a:defRPr sz="1983" b="1"/>
-            </a:lvl3pPr>
-            <a:lvl4pPr marL="1511229" indent="0">
-              <a:buNone/>
-              <a:defRPr sz="1763" b="1"/>
-            </a:lvl4pPr>
-            <a:lvl5pPr marL="2014972" indent="0">
-              <a:buNone/>
-              <a:defRPr sz="1763" b="1"/>
-            </a:lvl5pPr>
-            <a:lvl6pPr marL="2518715" indent="0">
-              <a:buNone/>
-              <a:defRPr sz="1763" b="1"/>
-            </a:lvl6pPr>
-            <a:lvl7pPr marL="3022458" indent="0">
-              <a:buNone/>
-              <a:defRPr sz="1763" b="1"/>
-            </a:lvl7pPr>
-            <a:lvl8pPr marL="3526201" indent="0">
-              <a:buNone/>
-              <a:defRPr sz="1763" b="1"/>
-            </a:lvl8pPr>
-            <a:lvl9pPr marL="4029944" indent="0">
-              <a:buNone/>
-              <a:defRPr sz="1763" b="1"/>
-            </a:lvl9pPr>
-          </a:lstStyle>
-          <a:p>
-            <a:pPr lvl="0"/>
-            <a:r>
-              <a:rPr lang="pl-PL"/>
-              <a:t>Kliknij, aby edytować style wzorca tekstu</a:t>
-            </a:r>
-          </a:p>
-        </p:txBody>
-      </p:sp>
-      <p:sp>
-        <p:nvSpPr>
-          <p:cNvPr id="6" name="Content Placeholder 5"/>
-          <p:cNvSpPr>
-            <a:spLocks noGrp="1"/>
-          </p:cNvSpPr>
-          <p:nvPr>
-            <p:ph sz="quarter" idx="4"/>
-          </p:nvPr>
-        </p:nvSpPr>
-        <p:spPr>
-          <a:xfrm>
-            <a:off x="6800672" y="2760222"/>
-            <a:ext cx="5710955" cy="4059870"/>
-          </a:xfrm>
-        </p:spPr>
-        <p:txBody>
-          <a:bodyPr/>
-          <a:lstStyle/>
-          <a:p>
-            <a:pPr lvl="0"/>
-            <a:r>
-              <a:rPr lang="pl-PL"/>
-              <a:t>Kliknij, aby edytować style wzorca tekstu</a:t>
-            </a:r>
-          </a:p>
-          <a:p>
-            <a:pPr lvl="1"/>
-            <a:r>
-              <a:rPr lang="pl-PL"/>
-              <a:t>Drugi poziom</a:t>
-            </a:r>
-          </a:p>
-          <a:p>
-            <a:pPr lvl="2"/>
-            <a:r>
-              <a:rPr lang="pl-PL"/>
-              <a:t>Trzeci poziom</a:t>
-            </a:r>
-          </a:p>
-          <a:p>
-            <a:pPr lvl="3"/>
-            <a:r>
-              <a:rPr lang="pl-PL"/>
-              <a:t>Czwarty poziom</a:t>
-            </a:r>
-          </a:p>
-          <a:p>
-            <a:pPr lvl="4"/>
-            <a:r>
-              <a:rPr lang="pl-PL"/>
-              <a:t>Piąty poziom</a:t>
-            </a:r>
-            <a:endParaRPr lang="en-US" dirty="0"/>
-          </a:p>
-        </p:txBody>
-      </p:sp>
-      <p:sp>
-        <p:nvSpPr>
-          <p:cNvPr id="7" name="Date Placeholder 3">
-            <a:extLst>
-              <a:ext uri="{FF2B5EF4-FFF2-40B4-BE49-F238E27FC236}">
-                <a16:creationId xmlns:a16="http://schemas.microsoft.com/office/drawing/2014/main" id="{6F34F9C6-23F5-50C1-AF46-CF3020A1BC4E}"/>
-              </a:ext>
-            </a:extLst>
-          </p:cNvPr>
-          <p:cNvSpPr>
-            <a:spLocks noGrp="1"/>
-          </p:cNvSpPr>
-          <p:nvPr>
-            <p:ph type="dt" sz="half" idx="10"/>
-          </p:nvPr>
-        </p:nvSpPr>
-        <p:spPr/>
-        <p:txBody>
-          <a:bodyPr/>
-          <a:lstStyle>
-            <a:lvl1pPr>
-              <a:defRPr/>
-            </a:lvl1pPr>
-          </a:lstStyle>
-          <a:p>
-            <a:pPr>
-              <a:defRPr/>
-            </a:pPr>
-            <a:fld id="{EA86C37A-9F31-4B4D-B7C9-91810EE7F6A0}" type="datetimeFigureOut">
-              <a:rPr lang="en-US"/>
-              <a:pPr>
-                <a:defRPr/>
-              </a:pPr>
-              <a:t>1/20/25</a:t>
-            </a:fld>
-            <a:endParaRPr lang="en-US"/>
-          </a:p>
-        </p:txBody>
-      </p:sp>
-      <p:sp>
-        <p:nvSpPr>
-          <p:cNvPr id="8" name="Footer Placeholder 4">
-            <a:extLst>
-              <a:ext uri="{FF2B5EF4-FFF2-40B4-BE49-F238E27FC236}">
-                <a16:creationId xmlns:a16="http://schemas.microsoft.com/office/drawing/2014/main" id="{103C81EE-39FF-3138-E087-D8839DCDD7DF}"/>
-              </a:ext>
-            </a:extLst>
-          </p:cNvPr>
-          <p:cNvSpPr>
-            <a:spLocks noGrp="1"/>
-          </p:cNvSpPr>
-          <p:nvPr>
-            <p:ph type="ftr" sz="quarter" idx="11"/>
-          </p:nvPr>
-        </p:nvSpPr>
-        <p:spPr/>
-        <p:txBody>
-          <a:bodyPr/>
-          <a:lstStyle>
-            <a:lvl1pPr>
-              <a:defRPr/>
-            </a:lvl1pPr>
-          </a:lstStyle>
-          <a:p>
-            <a:pPr>
-              <a:defRPr/>
-            </a:pPr>
-            <a:endParaRPr lang="en-US"/>
-          </a:p>
-        </p:txBody>
-      </p:sp>
-      <p:sp>
-        <p:nvSpPr>
-          <p:cNvPr id="9" name="Slide Number Placeholder 5">
-            <a:extLst>
-              <a:ext uri="{FF2B5EF4-FFF2-40B4-BE49-F238E27FC236}">
-                <a16:creationId xmlns:a16="http://schemas.microsoft.com/office/drawing/2014/main" id="{3C87DB05-E169-530A-7F69-4BC2717AFD6A}"/>
-              </a:ext>
-            </a:extLst>
-          </p:cNvPr>
-          <p:cNvSpPr>
-            <a:spLocks noGrp="1"/>
-          </p:cNvSpPr>
-          <p:nvPr>
-            <p:ph type="sldNum" sz="quarter" idx="12"/>
-          </p:nvPr>
-        </p:nvSpPr>
-        <p:spPr/>
-        <p:txBody>
-          <a:bodyPr/>
-          <a:lstStyle>
-            <a:lvl1pPr>
-              <a:defRPr/>
-            </a:lvl1pPr>
-          </a:lstStyle>
-          <a:p>
-            <a:fld id="{6FB5E232-0E51-0C4F-9B91-E9638410AB7C}" type="slidenum">
-              <a:rPr lang="en-US" altLang="pl-PL"/>
-              <a:pPr/>
-              <a:t>‹#›</a:t>
-            </a:fld>
-            <a:endParaRPr lang="en-US" altLang="pl-PL"/>
-          </a:p>
-        </p:txBody>
-      </p:sp>
-    </p:spTree>
-    <p:extLst>
-      <p:ext uri="{BB962C8B-B14F-4D97-AF65-F5344CB8AC3E}">
-        <p14:creationId xmlns:p14="http://schemas.microsoft.com/office/powerpoint/2010/main" val="651300984"/>
-      </p:ext>
-    </p:extLst>
-  </p:cSld>
-  <p:clrMapOvr>
-    <a:masterClrMapping/>
-  </p:clrMapOvr>
-</p:sldLayout>
-</file>
-
-<file path=ppt/slideLayouts/slideLayout6.xml><?xml version="1.0" encoding="utf-8"?>
-<p:sldLayout xmlns:a="http://schemas.openxmlformats.org/drawingml/2006/main" xmlns:r="http://schemas.openxmlformats.org/officeDocument/2006/relationships" xmlns:p="http://schemas.openxmlformats.org/presentationml/2006/main" type="titleOnly" preserve="1">
-  <p:cSld name="Tylko tytuł">
-    <p:spTree>
-      <p:nvGrpSpPr>
-        <p:cNvPr id="1" name=""/>
-        <p:cNvGrpSpPr/>
-        <p:nvPr/>
-      </p:nvGrpSpPr>
-      <p:grpSpPr>
-        <a:xfrm>
-          <a:off x="0" y="0"/>
-          <a:ext cx="0" cy="0"/>
-          <a:chOff x="0" y="0"/>
-          <a:chExt cx="0" cy="0"/>
-        </a:xfrm>
-      </p:grpSpPr>
-      <p:sp>
-        <p:nvSpPr>
-          <p:cNvPr id="2" name="Title 1"/>
-          <p:cNvSpPr>
-            <a:spLocks noGrp="1"/>
-          </p:cNvSpPr>
-          <p:nvPr>
-            <p:ph type="title"/>
-          </p:nvPr>
-        </p:nvSpPr>
-        <p:spPr/>
-        <p:txBody>
-          <a:bodyPr/>
-          <a:lstStyle/>
-          <a:p>
-            <a:r>
-              <a:rPr lang="pl-PL"/>
-              <a:t>Kliknij, aby edytować styl</a:t>
-            </a:r>
-            <a:endParaRPr lang="en-US" dirty="0"/>
-          </a:p>
-        </p:txBody>
-      </p:sp>
-      <p:sp>
-        <p:nvSpPr>
-          <p:cNvPr id="3" name="Date Placeholder 3">
-            <a:extLst>
-              <a:ext uri="{FF2B5EF4-FFF2-40B4-BE49-F238E27FC236}">
-                <a16:creationId xmlns:a16="http://schemas.microsoft.com/office/drawing/2014/main" id="{AB048BBF-B513-4AB5-309A-3CC355250D8B}"/>
-              </a:ext>
-            </a:extLst>
-          </p:cNvPr>
-          <p:cNvSpPr>
-            <a:spLocks noGrp="1"/>
-          </p:cNvSpPr>
-          <p:nvPr>
-            <p:ph type="dt" sz="half" idx="10"/>
-          </p:nvPr>
-        </p:nvSpPr>
-        <p:spPr/>
-        <p:txBody>
-          <a:bodyPr/>
-          <a:lstStyle>
-            <a:lvl1pPr>
-              <a:defRPr/>
-            </a:lvl1pPr>
-          </a:lstStyle>
-          <a:p>
-            <a:pPr>
-              <a:defRPr/>
-            </a:pPr>
-            <a:fld id="{47523CE2-E0EB-AA48-9D31-EBDA4FFD23F4}" type="datetimeFigureOut">
-              <a:rPr lang="en-US"/>
-              <a:pPr>
-                <a:defRPr/>
-              </a:pPr>
-              <a:t>1/20/25</a:t>
-            </a:fld>
-            <a:endParaRPr lang="en-US"/>
-          </a:p>
-        </p:txBody>
-      </p:sp>
-      <p:sp>
-        <p:nvSpPr>
-          <p:cNvPr id="4" name="Footer Placeholder 4">
-            <a:extLst>
-              <a:ext uri="{FF2B5EF4-FFF2-40B4-BE49-F238E27FC236}">
-                <a16:creationId xmlns:a16="http://schemas.microsoft.com/office/drawing/2014/main" id="{672BFEA4-EC66-AD56-629B-051E9EBB47F1}"/>
-              </a:ext>
-            </a:extLst>
-          </p:cNvPr>
-          <p:cNvSpPr>
-            <a:spLocks noGrp="1"/>
-          </p:cNvSpPr>
-          <p:nvPr>
-            <p:ph type="ftr" sz="quarter" idx="11"/>
-          </p:nvPr>
-        </p:nvSpPr>
-        <p:spPr/>
-        <p:txBody>
-          <a:bodyPr/>
-          <a:lstStyle>
-            <a:lvl1pPr>
-              <a:defRPr/>
-            </a:lvl1pPr>
-          </a:lstStyle>
-          <a:p>
-            <a:pPr>
-              <a:defRPr/>
-            </a:pPr>
-            <a:endParaRPr lang="en-US"/>
-          </a:p>
-        </p:txBody>
-      </p:sp>
-      <p:sp>
-        <p:nvSpPr>
-          <p:cNvPr id="5" name="Slide Number Placeholder 5">
-            <a:extLst>
-              <a:ext uri="{FF2B5EF4-FFF2-40B4-BE49-F238E27FC236}">
-                <a16:creationId xmlns:a16="http://schemas.microsoft.com/office/drawing/2014/main" id="{51764A30-50BA-53EA-6FEB-394B52F0A522}"/>
-              </a:ext>
-            </a:extLst>
-          </p:cNvPr>
-          <p:cNvSpPr>
-            <a:spLocks noGrp="1"/>
-          </p:cNvSpPr>
-          <p:nvPr>
-            <p:ph type="sldNum" sz="quarter" idx="12"/>
-          </p:nvPr>
-        </p:nvSpPr>
-        <p:spPr/>
-        <p:txBody>
-          <a:bodyPr/>
-          <a:lstStyle>
-            <a:lvl1pPr>
-              <a:defRPr/>
-            </a:lvl1pPr>
-          </a:lstStyle>
-          <a:p>
-            <a:fld id="{F43BD6FE-A15C-1741-980A-70CF9FE4902C}" type="slidenum">
-              <a:rPr lang="en-US" altLang="pl-PL"/>
-              <a:pPr/>
-              <a:t>‹#›</a:t>
-            </a:fld>
-            <a:endParaRPr lang="en-US" altLang="pl-PL"/>
-          </a:p>
-        </p:txBody>
-      </p:sp>
-    </p:spTree>
-    <p:extLst>
-      <p:ext uri="{BB962C8B-B14F-4D97-AF65-F5344CB8AC3E}">
-        <p14:creationId xmlns:p14="http://schemas.microsoft.com/office/powerpoint/2010/main" val="997417877"/>
-      </p:ext>
-    </p:extLst>
-  </p:cSld>
-  <p:clrMapOvr>
-    <a:masterClrMapping/>
-  </p:clrMapOvr>
-</p:sldLayout>
-</file>
-
-<file path=ppt/slideLayouts/slideLayout7.xml><?xml version="1.0" encoding="utf-8"?>
-<p:sldLayout xmlns:a="http://schemas.openxmlformats.org/drawingml/2006/main" xmlns:r="http://schemas.openxmlformats.org/officeDocument/2006/relationships" xmlns:p="http://schemas.openxmlformats.org/presentationml/2006/main" type="blank" preserve="1">
-  <p:cSld name="Pusty">
-    <p:spTree>
-      <p:nvGrpSpPr>
-        <p:cNvPr id="1" name=""/>
-        <p:cNvGrpSpPr/>
-        <p:nvPr/>
-      </p:nvGrpSpPr>
-      <p:grpSpPr>
-        <a:xfrm>
-          <a:off x="0" y="0"/>
-          <a:ext cx="0" cy="0"/>
-          <a:chOff x="0" y="0"/>
-          <a:chExt cx="0" cy="0"/>
-        </a:xfrm>
-      </p:grpSpPr>
-      <p:sp>
-        <p:nvSpPr>
-          <p:cNvPr id="2" name="Date Placeholder 3">
-            <a:extLst>
-              <a:ext uri="{FF2B5EF4-FFF2-40B4-BE49-F238E27FC236}">
-                <a16:creationId xmlns:a16="http://schemas.microsoft.com/office/drawing/2014/main" id="{F925EE98-C8E2-0513-98A3-44CCDB1A513D}"/>
-              </a:ext>
-            </a:extLst>
-          </p:cNvPr>
-          <p:cNvSpPr>
-            <a:spLocks noGrp="1"/>
-          </p:cNvSpPr>
-          <p:nvPr>
-            <p:ph type="dt" sz="half" idx="10"/>
-          </p:nvPr>
-        </p:nvSpPr>
-        <p:spPr/>
-        <p:txBody>
-          <a:bodyPr/>
-          <a:lstStyle>
-            <a:lvl1pPr>
-              <a:defRPr/>
-            </a:lvl1pPr>
-          </a:lstStyle>
-          <a:p>
-            <a:pPr>
-              <a:defRPr/>
-            </a:pPr>
-            <a:fld id="{FE7567CA-57C9-CF4B-A227-00345CFCB806}" type="datetimeFigureOut">
-              <a:rPr lang="en-US"/>
-              <a:pPr>
-                <a:defRPr/>
-              </a:pPr>
-              <a:t>1/20/25</a:t>
-            </a:fld>
-            <a:endParaRPr lang="en-US"/>
-          </a:p>
-        </p:txBody>
-      </p:sp>
-      <p:sp>
-        <p:nvSpPr>
-          <p:cNvPr id="3" name="Footer Placeholder 4">
-            <a:extLst>
-              <a:ext uri="{FF2B5EF4-FFF2-40B4-BE49-F238E27FC236}">
-                <a16:creationId xmlns:a16="http://schemas.microsoft.com/office/drawing/2014/main" id="{6A806770-BDC4-951A-DA48-06771EE5D209}"/>
-              </a:ext>
-            </a:extLst>
-          </p:cNvPr>
-          <p:cNvSpPr>
-            <a:spLocks noGrp="1"/>
-          </p:cNvSpPr>
-          <p:nvPr>
-            <p:ph type="ftr" sz="quarter" idx="11"/>
-          </p:nvPr>
-        </p:nvSpPr>
-        <p:spPr/>
-        <p:txBody>
-          <a:bodyPr/>
-          <a:lstStyle>
-            <a:lvl1pPr>
-              <a:defRPr/>
-            </a:lvl1pPr>
-          </a:lstStyle>
-          <a:p>
-            <a:pPr>
-              <a:defRPr/>
-            </a:pPr>
-            <a:endParaRPr lang="en-US"/>
-          </a:p>
-        </p:txBody>
-      </p:sp>
-      <p:sp>
-        <p:nvSpPr>
-          <p:cNvPr id="4" name="Slide Number Placeholder 5">
-            <a:extLst>
-              <a:ext uri="{FF2B5EF4-FFF2-40B4-BE49-F238E27FC236}">
-                <a16:creationId xmlns:a16="http://schemas.microsoft.com/office/drawing/2014/main" id="{03BD8715-767D-4829-62A0-F4DD7C38135E}"/>
-              </a:ext>
-            </a:extLst>
-          </p:cNvPr>
-          <p:cNvSpPr>
-            <a:spLocks noGrp="1"/>
-          </p:cNvSpPr>
-          <p:nvPr>
-            <p:ph type="sldNum" sz="quarter" idx="12"/>
-          </p:nvPr>
-        </p:nvSpPr>
-        <p:spPr/>
-        <p:txBody>
-          <a:bodyPr/>
-          <a:lstStyle>
-            <a:lvl1pPr>
-              <a:defRPr/>
-            </a:lvl1pPr>
-          </a:lstStyle>
-          <a:p>
-            <a:fld id="{A53509C8-5D3F-404D-831F-D53ED2A42F5A}" type="slidenum">
-              <a:rPr lang="en-US" altLang="pl-PL"/>
-              <a:pPr/>
-              <a:t>‹#›</a:t>
-            </a:fld>
-            <a:endParaRPr lang="en-US" altLang="pl-PL"/>
-          </a:p>
-        </p:txBody>
-      </p:sp>
-    </p:spTree>
-    <p:extLst>
-      <p:ext uri="{BB962C8B-B14F-4D97-AF65-F5344CB8AC3E}">
-        <p14:creationId xmlns:p14="http://schemas.microsoft.com/office/powerpoint/2010/main" val="540490959"/>
-      </p:ext>
-    </p:extLst>
-  </p:cSld>
-  <p:clrMapOvr>
-    <a:masterClrMapping/>
-  </p:clrMapOvr>
-</p:sldLayout>
-</file>
-
-<file path=ppt/slideLayouts/slideLayout8.xml><?xml version="1.0" encoding="utf-8"?>
-<p:sldLayout xmlns:a="http://schemas.openxmlformats.org/drawingml/2006/main" xmlns:r="http://schemas.openxmlformats.org/officeDocument/2006/relationships" xmlns:p="http://schemas.openxmlformats.org/presentationml/2006/main" type="objTx" preserve="1">
-  <p:cSld name="Zawartość z podpisem">
-    <p:spTree>
-      <p:nvGrpSpPr>
-        <p:cNvPr id="1" name=""/>
-        <p:cNvGrpSpPr/>
-        <p:nvPr/>
-      </p:nvGrpSpPr>
-      <p:grpSpPr>
-        <a:xfrm>
-          <a:off x="0" y="0"/>
-          <a:ext cx="0" cy="0"/>
-          <a:chOff x="0" y="0"/>
-          <a:chExt cx="0" cy="0"/>
-        </a:xfrm>
-      </p:grpSpPr>
-      <p:sp>
-        <p:nvSpPr>
-          <p:cNvPr id="2" name="Title 1"/>
-          <p:cNvSpPr>
-            <a:spLocks noGrp="1"/>
-          </p:cNvSpPr>
-          <p:nvPr>
-            <p:ph type="title"/>
-          </p:nvPr>
-        </p:nvSpPr>
-        <p:spPr>
-          <a:xfrm>
-            <a:off x="925298" y="503767"/>
-            <a:ext cx="4332629" cy="1763183"/>
-          </a:xfrm>
-        </p:spPr>
-        <p:txBody>
-          <a:bodyPr anchor="b"/>
-          <a:lstStyle>
-            <a:lvl1pPr>
-              <a:defRPr sz="3526"/>
-            </a:lvl1pPr>
-          </a:lstStyle>
-          <a:p>
-            <a:r>
-              <a:rPr lang="pl-PL"/>
-              <a:t>Kliknij, aby edytować styl</a:t>
-            </a:r>
-            <a:endParaRPr lang="en-US" dirty="0"/>
-          </a:p>
-        </p:txBody>
-      </p:sp>
-      <p:sp>
-        <p:nvSpPr>
-          <p:cNvPr id="3" name="Content Placeholder 2"/>
-          <p:cNvSpPr>
-            <a:spLocks noGrp="1"/>
-          </p:cNvSpPr>
-          <p:nvPr>
-            <p:ph idx="1"/>
-          </p:nvPr>
-        </p:nvSpPr>
-        <p:spPr>
-          <a:xfrm>
-            <a:off x="5710956" y="1087996"/>
-            <a:ext cx="6800671" cy="5370013"/>
-          </a:xfrm>
-        </p:spPr>
-        <p:txBody>
-          <a:bodyPr/>
-          <a:lstStyle>
-            <a:lvl1pPr>
-              <a:defRPr sz="3526"/>
-            </a:lvl1pPr>
-            <a:lvl2pPr>
-              <a:defRPr sz="3085"/>
-            </a:lvl2pPr>
-            <a:lvl3pPr>
-              <a:defRPr sz="2644"/>
-            </a:lvl3pPr>
-            <a:lvl4pPr>
-              <a:defRPr sz="2204"/>
-            </a:lvl4pPr>
-            <a:lvl5pPr>
-              <a:defRPr sz="2204"/>
-            </a:lvl5pPr>
-            <a:lvl6pPr>
-              <a:defRPr sz="2204"/>
-            </a:lvl6pPr>
-            <a:lvl7pPr>
-              <a:defRPr sz="2204"/>
-            </a:lvl7pPr>
-            <a:lvl8pPr>
-              <a:defRPr sz="2204"/>
-            </a:lvl8pPr>
-            <a:lvl9pPr>
-              <a:defRPr sz="2204"/>
-            </a:lvl9pPr>
-          </a:lstStyle>
-          <a:p>
-            <a:pPr lvl="0"/>
-            <a:r>
-              <a:rPr lang="pl-PL"/>
-              <a:t>Kliknij, aby edytować style wzorca tekstu</a:t>
-            </a:r>
-          </a:p>
-          <a:p>
-            <a:pPr lvl="1"/>
-            <a:r>
-              <a:rPr lang="pl-PL"/>
-              <a:t>Drugi poziom</a:t>
-            </a:r>
-          </a:p>
-          <a:p>
-            <a:pPr lvl="2"/>
-            <a:r>
-              <a:rPr lang="pl-PL"/>
-              <a:t>Trzeci poziom</a:t>
-            </a:r>
-          </a:p>
-          <a:p>
-            <a:pPr lvl="3"/>
-            <a:r>
-              <a:rPr lang="pl-PL"/>
-              <a:t>Czwarty poziom</a:t>
-            </a:r>
-          </a:p>
-          <a:p>
-            <a:pPr lvl="4"/>
-            <a:r>
-              <a:rPr lang="pl-PL"/>
-              <a:t>Piąty poziom</a:t>
-            </a:r>
-            <a:endParaRPr lang="en-US" dirty="0"/>
-          </a:p>
-        </p:txBody>
-      </p:sp>
-      <p:sp>
-        <p:nvSpPr>
-          <p:cNvPr id="4" name="Text Placeholder 3"/>
-          <p:cNvSpPr>
-            <a:spLocks noGrp="1"/>
-          </p:cNvSpPr>
-          <p:nvPr>
-            <p:ph type="body" sz="half" idx="2"/>
-          </p:nvPr>
-        </p:nvSpPr>
-        <p:spPr>
-          <a:xfrm>
-            <a:off x="925298" y="2266950"/>
-            <a:ext cx="4332629" cy="4199805"/>
-          </a:xfrm>
-        </p:spPr>
-        <p:txBody>
-          <a:bodyPr/>
-          <a:lstStyle>
-            <a:lvl1pPr marL="0" indent="0">
-              <a:buNone/>
-              <a:defRPr sz="1763"/>
-            </a:lvl1pPr>
-            <a:lvl2pPr marL="503743" indent="0">
-              <a:buNone/>
-              <a:defRPr sz="1543"/>
-            </a:lvl2pPr>
-            <a:lvl3pPr marL="1007486" indent="0">
-              <a:buNone/>
-              <a:defRPr sz="1322"/>
-            </a:lvl3pPr>
-            <a:lvl4pPr marL="1511229" indent="0">
-              <a:buNone/>
-              <a:defRPr sz="1102"/>
-            </a:lvl4pPr>
-            <a:lvl5pPr marL="2014972" indent="0">
-              <a:buNone/>
-              <a:defRPr sz="1102"/>
-            </a:lvl5pPr>
-            <a:lvl6pPr marL="2518715" indent="0">
-              <a:buNone/>
-              <a:defRPr sz="1102"/>
-            </a:lvl6pPr>
-            <a:lvl7pPr marL="3022458" indent="0">
-              <a:buNone/>
-              <a:defRPr sz="1102"/>
-            </a:lvl7pPr>
-            <a:lvl8pPr marL="3526201" indent="0">
-              <a:buNone/>
-              <a:defRPr sz="1102"/>
-            </a:lvl8pPr>
-            <a:lvl9pPr marL="4029944" indent="0">
-              <a:buNone/>
-              <a:defRPr sz="1102"/>
-            </a:lvl9pPr>
-          </a:lstStyle>
-          <a:p>
-            <a:pPr lvl="0"/>
-            <a:r>
-              <a:rPr lang="pl-PL"/>
-              <a:t>Kliknij, aby edytować style wzorca tekstu</a:t>
-            </a:r>
-          </a:p>
-        </p:txBody>
-      </p:sp>
-      <p:sp>
-        <p:nvSpPr>
-          <p:cNvPr id="5" name="Date Placeholder 3">
-            <a:extLst>
-              <a:ext uri="{FF2B5EF4-FFF2-40B4-BE49-F238E27FC236}">
-                <a16:creationId xmlns:a16="http://schemas.microsoft.com/office/drawing/2014/main" id="{60B074EE-B156-D3A0-FB9E-3608C826EBED}"/>
-              </a:ext>
-            </a:extLst>
-          </p:cNvPr>
-          <p:cNvSpPr>
-            <a:spLocks noGrp="1"/>
-          </p:cNvSpPr>
-          <p:nvPr>
-            <p:ph type="dt" sz="half" idx="10"/>
-          </p:nvPr>
-        </p:nvSpPr>
-        <p:spPr/>
-        <p:txBody>
-          <a:bodyPr/>
-          <a:lstStyle>
-            <a:lvl1pPr>
-              <a:defRPr/>
-            </a:lvl1pPr>
-          </a:lstStyle>
-          <a:p>
-            <a:pPr>
-              <a:defRPr/>
-            </a:pPr>
-            <a:fld id="{04A46329-0F16-5041-A82C-6212CA8F763B}" type="datetimeFigureOut">
-              <a:rPr lang="en-US"/>
-              <a:pPr>
-                <a:defRPr/>
-              </a:pPr>
-              <a:t>1/20/25</a:t>
-            </a:fld>
-            <a:endParaRPr lang="en-US"/>
-          </a:p>
-        </p:txBody>
-      </p:sp>
-      <p:sp>
-        <p:nvSpPr>
-          <p:cNvPr id="6" name="Footer Placeholder 4">
-            <a:extLst>
-              <a:ext uri="{FF2B5EF4-FFF2-40B4-BE49-F238E27FC236}">
-                <a16:creationId xmlns:a16="http://schemas.microsoft.com/office/drawing/2014/main" id="{740F2C3A-8DBA-94B7-178C-4E616AC24D74}"/>
-              </a:ext>
-            </a:extLst>
-          </p:cNvPr>
-          <p:cNvSpPr>
-            <a:spLocks noGrp="1"/>
-          </p:cNvSpPr>
-          <p:nvPr>
-            <p:ph type="ftr" sz="quarter" idx="11"/>
-          </p:nvPr>
-        </p:nvSpPr>
-        <p:spPr/>
-        <p:txBody>
-          <a:bodyPr/>
-          <a:lstStyle>
-            <a:lvl1pPr>
-              <a:defRPr/>
-            </a:lvl1pPr>
-          </a:lstStyle>
-          <a:p>
-            <a:pPr>
-              <a:defRPr/>
-            </a:pPr>
-            <a:endParaRPr lang="en-US"/>
-          </a:p>
-        </p:txBody>
-      </p:sp>
-      <p:sp>
-        <p:nvSpPr>
-          <p:cNvPr id="7" name="Slide Number Placeholder 5">
-            <a:extLst>
-              <a:ext uri="{FF2B5EF4-FFF2-40B4-BE49-F238E27FC236}">
-                <a16:creationId xmlns:a16="http://schemas.microsoft.com/office/drawing/2014/main" id="{3C2C1EE5-32FB-C0EF-3339-5888B5C99E96}"/>
-              </a:ext>
-            </a:extLst>
-          </p:cNvPr>
-          <p:cNvSpPr>
-            <a:spLocks noGrp="1"/>
-          </p:cNvSpPr>
-          <p:nvPr>
-            <p:ph type="sldNum" sz="quarter" idx="12"/>
-          </p:nvPr>
-        </p:nvSpPr>
-        <p:spPr/>
-        <p:txBody>
-          <a:bodyPr/>
-          <a:lstStyle>
-            <a:lvl1pPr>
-              <a:defRPr/>
-            </a:lvl1pPr>
-          </a:lstStyle>
-          <a:p>
-            <a:fld id="{44ED70D6-4698-CA4F-8EED-1259B9C26B06}" type="slidenum">
-              <a:rPr lang="en-US" altLang="pl-PL"/>
-              <a:pPr/>
-              <a:t>‹#›</a:t>
-            </a:fld>
-            <a:endParaRPr lang="en-US" altLang="pl-PL"/>
-          </a:p>
-        </p:txBody>
-      </p:sp>
-    </p:spTree>
-    <p:extLst>
-      <p:ext uri="{BB962C8B-B14F-4D97-AF65-F5344CB8AC3E}">
-        <p14:creationId xmlns:p14="http://schemas.microsoft.com/office/powerpoint/2010/main" val="1548079510"/>
-      </p:ext>
-    </p:extLst>
-  </p:cSld>
-  <p:clrMapOvr>
-    <a:masterClrMapping/>
-  </p:clrMapOvr>
-</p:sldLayout>
-</file>
-
-<file path=ppt/slideLayouts/slideLayout9.xml><?xml version="1.0" encoding="utf-8"?>
-<p:sldLayout xmlns:a="http://schemas.openxmlformats.org/drawingml/2006/main" xmlns:r="http://schemas.openxmlformats.org/officeDocument/2006/relationships" xmlns:p="http://schemas.openxmlformats.org/presentationml/2006/main" type="picTx" preserve="1">
-  <p:cSld name="Obraz z podpisem">
-    <p:spTree>
-      <p:nvGrpSpPr>
-        <p:cNvPr id="1" name=""/>
-        <p:cNvGrpSpPr/>
-        <p:nvPr/>
-      </p:nvGrpSpPr>
-      <p:grpSpPr>
-        <a:xfrm>
-          <a:off x="0" y="0"/>
-          <a:ext cx="0" cy="0"/>
-          <a:chOff x="0" y="0"/>
-          <a:chExt cx="0" cy="0"/>
-        </a:xfrm>
-      </p:grpSpPr>
-      <p:sp>
-        <p:nvSpPr>
-          <p:cNvPr id="2" name="Title 1"/>
-          <p:cNvSpPr>
-            <a:spLocks noGrp="1"/>
-          </p:cNvSpPr>
-          <p:nvPr>
-            <p:ph type="title"/>
-          </p:nvPr>
-        </p:nvSpPr>
-        <p:spPr>
-          <a:xfrm>
-            <a:off x="925298" y="503767"/>
-            <a:ext cx="4332629" cy="1763183"/>
-          </a:xfrm>
-        </p:spPr>
-        <p:txBody>
-          <a:bodyPr anchor="b"/>
-          <a:lstStyle>
-            <a:lvl1pPr>
-              <a:defRPr sz="3526"/>
-            </a:lvl1pPr>
-          </a:lstStyle>
-          <a:p>
-            <a:r>
-              <a:rPr lang="pl-PL"/>
-              <a:t>Kliknij, aby edytować styl</a:t>
-            </a:r>
-            <a:endParaRPr lang="en-US" dirty="0"/>
-          </a:p>
-        </p:txBody>
-      </p:sp>
-      <p:sp>
-        <p:nvSpPr>
-          <p:cNvPr id="3" name="Picture Placeholder 2"/>
-          <p:cNvSpPr>
-            <a:spLocks noGrp="1" noChangeAspect="1"/>
-          </p:cNvSpPr>
-          <p:nvPr>
-            <p:ph type="pic" idx="1"/>
-          </p:nvPr>
-        </p:nvSpPr>
-        <p:spPr>
-          <a:xfrm>
-            <a:off x="5710956" y="1087996"/>
-            <a:ext cx="6800671" cy="5370013"/>
-          </a:xfrm>
-        </p:spPr>
-        <p:txBody>
-          <a:bodyPr rtlCol="0">
-            <a:normAutofit/>
-          </a:bodyPr>
-          <a:lstStyle>
-            <a:lvl1pPr marL="0" indent="0">
-              <a:buNone/>
-              <a:defRPr sz="3526"/>
-            </a:lvl1pPr>
-            <a:lvl2pPr marL="503743" indent="0">
-              <a:buNone/>
-              <a:defRPr sz="3085"/>
-            </a:lvl2pPr>
-            <a:lvl3pPr marL="1007486" indent="0">
-              <a:buNone/>
-              <a:defRPr sz="2644"/>
-            </a:lvl3pPr>
-            <a:lvl4pPr marL="1511229" indent="0">
-              <a:buNone/>
-              <a:defRPr sz="2204"/>
-            </a:lvl4pPr>
-            <a:lvl5pPr marL="2014972" indent="0">
-              <a:buNone/>
-              <a:defRPr sz="2204"/>
-            </a:lvl5pPr>
-            <a:lvl6pPr marL="2518715" indent="0">
-              <a:buNone/>
-              <a:defRPr sz="2204"/>
-            </a:lvl6pPr>
-            <a:lvl7pPr marL="3022458" indent="0">
-              <a:buNone/>
-              <a:defRPr sz="2204"/>
-            </a:lvl7pPr>
-            <a:lvl8pPr marL="3526201" indent="0">
-              <a:buNone/>
-              <a:defRPr sz="2204"/>
-            </a:lvl8pPr>
-            <a:lvl9pPr marL="4029944" indent="0">
-              <a:buNone/>
-              <a:defRPr sz="2204"/>
-            </a:lvl9pPr>
-          </a:lstStyle>
-          <a:p>
-            <a:pPr lvl="0"/>
-            <a:r>
-              <a:rPr lang="pl-PL" noProof="0"/>
-              <a:t>Kliknij ikonę, aby dodać obraz</a:t>
-            </a:r>
-            <a:endParaRPr lang="en-US" noProof="0" dirty="0"/>
-          </a:p>
-        </p:txBody>
-      </p:sp>
-      <p:sp>
-        <p:nvSpPr>
-          <p:cNvPr id="4" name="Text Placeholder 3"/>
-          <p:cNvSpPr>
-            <a:spLocks noGrp="1"/>
-          </p:cNvSpPr>
-          <p:nvPr>
-            <p:ph type="body" sz="half" idx="2"/>
-          </p:nvPr>
-        </p:nvSpPr>
-        <p:spPr>
-          <a:xfrm>
-            <a:off x="925298" y="2266950"/>
-            <a:ext cx="4332629" cy="4199805"/>
-          </a:xfrm>
-        </p:spPr>
-        <p:txBody>
-          <a:bodyPr/>
-          <a:lstStyle>
-            <a:lvl1pPr marL="0" indent="0">
-              <a:buNone/>
-              <a:defRPr sz="1763"/>
-            </a:lvl1pPr>
-            <a:lvl2pPr marL="503743" indent="0">
-              <a:buNone/>
-              <a:defRPr sz="1543"/>
-            </a:lvl2pPr>
-            <a:lvl3pPr marL="1007486" indent="0">
-              <a:buNone/>
-              <a:defRPr sz="1322"/>
-            </a:lvl3pPr>
-            <a:lvl4pPr marL="1511229" indent="0">
-              <a:buNone/>
-              <a:defRPr sz="1102"/>
-            </a:lvl4pPr>
-            <a:lvl5pPr marL="2014972" indent="0">
-              <a:buNone/>
-              <a:defRPr sz="1102"/>
-            </a:lvl5pPr>
-            <a:lvl6pPr marL="2518715" indent="0">
-              <a:buNone/>
-              <a:defRPr sz="1102"/>
-            </a:lvl6pPr>
-            <a:lvl7pPr marL="3022458" indent="0">
-              <a:buNone/>
-              <a:defRPr sz="1102"/>
-            </a:lvl7pPr>
-            <a:lvl8pPr marL="3526201" indent="0">
-              <a:buNone/>
-              <a:defRPr sz="1102"/>
-            </a:lvl8pPr>
-            <a:lvl9pPr marL="4029944" indent="0">
-              <a:buNone/>
-              <a:defRPr sz="1102"/>
-            </a:lvl9pPr>
-          </a:lstStyle>
-          <a:p>
-            <a:pPr lvl="0"/>
-            <a:r>
-              <a:rPr lang="pl-PL"/>
-              <a:t>Kliknij, aby edytować style wzorca tekstu</a:t>
-            </a:r>
-          </a:p>
-        </p:txBody>
-      </p:sp>
-      <p:sp>
-        <p:nvSpPr>
-          <p:cNvPr id="5" name="Date Placeholder 3">
-            <a:extLst>
-              <a:ext uri="{FF2B5EF4-FFF2-40B4-BE49-F238E27FC236}">
                 <a16:creationId xmlns:a16="http://schemas.microsoft.com/office/drawing/2014/main" id="{59E50E19-D562-21A7-9FB3-38BDCF1B587C}"/>
               </a:ext>
             </a:extLst>
@@ -5911,7 +3162,7 @@
               <a:pPr>
                 <a:defRPr/>
               </a:pPr>
-              <a:t>1/20/25</a:t>
+              <a:t>1/21/2025</a:t>
             </a:fld>
             <a:endParaRPr lang="en-US"/>
           </a:p>
@@ -6230,7 +3481,7 @@
               <a:pPr>
                 <a:defRPr/>
               </a:pPr>
-              <a:t>1/20/25</a:t>
+              <a:t>1/21/2025</a:t>
             </a:fld>
             <a:endParaRPr lang="en-US"/>
           </a:p>
@@ -6347,794 +3598,6 @@
     <p:sldLayoutId id="2147483693" r:id="rId9"/>
     <p:sldLayoutId id="2147483694" r:id="rId10"/>
     <p:sldLayoutId id="2147483695" r:id="rId11"/>
-  </p:sldLayoutIdLst>
-  <p:txStyles>
-    <p:titleStyle>
-      <a:lvl1pPr algn="l" defTabSz="1006475" rtl="0" eaLnBrk="0" fontAlgn="base" hangingPunct="0">
-        <a:lnSpc>
-          <a:spcPct val="90000"/>
-        </a:lnSpc>
-        <a:spcBef>
-          <a:spcPct val="0"/>
-        </a:spcBef>
-        <a:spcAft>
-          <a:spcPct val="0"/>
-        </a:spcAft>
-        <a:defRPr sz="4800" kern="1200">
-          <a:solidFill>
-            <a:schemeClr val="tx1"/>
-          </a:solidFill>
-          <a:latin typeface="+mj-lt"/>
-          <a:ea typeface="+mj-ea"/>
-          <a:cs typeface="+mj-cs"/>
-        </a:defRPr>
-      </a:lvl1pPr>
-      <a:lvl2pPr algn="l" defTabSz="1006475" rtl="0" eaLnBrk="0" fontAlgn="base" hangingPunct="0">
-        <a:lnSpc>
-          <a:spcPct val="90000"/>
-        </a:lnSpc>
-        <a:spcBef>
-          <a:spcPct val="0"/>
-        </a:spcBef>
-        <a:spcAft>
-          <a:spcPct val="0"/>
-        </a:spcAft>
-        <a:defRPr sz="4800">
-          <a:solidFill>
-            <a:schemeClr val="tx1"/>
-          </a:solidFill>
-          <a:latin typeface="Calibri Light" panose="020F0302020204030204" pitchFamily="34" charset="0"/>
-        </a:defRPr>
-      </a:lvl2pPr>
-      <a:lvl3pPr algn="l" defTabSz="1006475" rtl="0" eaLnBrk="0" fontAlgn="base" hangingPunct="0">
-        <a:lnSpc>
-          <a:spcPct val="90000"/>
-        </a:lnSpc>
-        <a:spcBef>
-          <a:spcPct val="0"/>
-        </a:spcBef>
-        <a:spcAft>
-          <a:spcPct val="0"/>
-        </a:spcAft>
-        <a:defRPr sz="4800">
-          <a:solidFill>
-            <a:schemeClr val="tx1"/>
-          </a:solidFill>
-          <a:latin typeface="Calibri Light" panose="020F0302020204030204" pitchFamily="34" charset="0"/>
-        </a:defRPr>
-      </a:lvl3pPr>
-      <a:lvl4pPr algn="l" defTabSz="1006475" rtl="0" eaLnBrk="0" fontAlgn="base" hangingPunct="0">
-        <a:lnSpc>
-          <a:spcPct val="90000"/>
-        </a:lnSpc>
-        <a:spcBef>
-          <a:spcPct val="0"/>
-        </a:spcBef>
-        <a:spcAft>
-          <a:spcPct val="0"/>
-        </a:spcAft>
-        <a:defRPr sz="4800">
-          <a:solidFill>
-            <a:schemeClr val="tx1"/>
-          </a:solidFill>
-          <a:latin typeface="Calibri Light" panose="020F0302020204030204" pitchFamily="34" charset="0"/>
-        </a:defRPr>
-      </a:lvl4pPr>
-      <a:lvl5pPr algn="l" defTabSz="1006475" rtl="0" eaLnBrk="0" fontAlgn="base" hangingPunct="0">
-        <a:lnSpc>
-          <a:spcPct val="90000"/>
-        </a:lnSpc>
-        <a:spcBef>
-          <a:spcPct val="0"/>
-        </a:spcBef>
-        <a:spcAft>
-          <a:spcPct val="0"/>
-        </a:spcAft>
-        <a:defRPr sz="4800">
-          <a:solidFill>
-            <a:schemeClr val="tx1"/>
-          </a:solidFill>
-          <a:latin typeface="Calibri Light" panose="020F0302020204030204" pitchFamily="34" charset="0"/>
-        </a:defRPr>
-      </a:lvl5pPr>
-      <a:lvl6pPr marL="457200" algn="l" defTabSz="1006475" rtl="0" fontAlgn="base">
-        <a:lnSpc>
-          <a:spcPct val="90000"/>
-        </a:lnSpc>
-        <a:spcBef>
-          <a:spcPct val="0"/>
-        </a:spcBef>
-        <a:spcAft>
-          <a:spcPct val="0"/>
-        </a:spcAft>
-        <a:defRPr sz="4800">
-          <a:solidFill>
-            <a:schemeClr val="tx1"/>
-          </a:solidFill>
-          <a:latin typeface="Calibri Light" panose="020F0302020204030204" pitchFamily="34" charset="0"/>
-        </a:defRPr>
-      </a:lvl6pPr>
-      <a:lvl7pPr marL="914400" algn="l" defTabSz="1006475" rtl="0" fontAlgn="base">
-        <a:lnSpc>
-          <a:spcPct val="90000"/>
-        </a:lnSpc>
-        <a:spcBef>
-          <a:spcPct val="0"/>
-        </a:spcBef>
-        <a:spcAft>
-          <a:spcPct val="0"/>
-        </a:spcAft>
-        <a:defRPr sz="4800">
-          <a:solidFill>
-            <a:schemeClr val="tx1"/>
-          </a:solidFill>
-          <a:latin typeface="Calibri Light" panose="020F0302020204030204" pitchFamily="34" charset="0"/>
-        </a:defRPr>
-      </a:lvl7pPr>
-      <a:lvl8pPr marL="1371600" algn="l" defTabSz="1006475" rtl="0" fontAlgn="base">
-        <a:lnSpc>
-          <a:spcPct val="90000"/>
-        </a:lnSpc>
-        <a:spcBef>
-          <a:spcPct val="0"/>
-        </a:spcBef>
-        <a:spcAft>
-          <a:spcPct val="0"/>
-        </a:spcAft>
-        <a:defRPr sz="4800">
-          <a:solidFill>
-            <a:schemeClr val="tx1"/>
-          </a:solidFill>
-          <a:latin typeface="Calibri Light" panose="020F0302020204030204" pitchFamily="34" charset="0"/>
-        </a:defRPr>
-      </a:lvl8pPr>
-      <a:lvl9pPr marL="1828800" algn="l" defTabSz="1006475" rtl="0" fontAlgn="base">
-        <a:lnSpc>
-          <a:spcPct val="90000"/>
-        </a:lnSpc>
-        <a:spcBef>
-          <a:spcPct val="0"/>
-        </a:spcBef>
-        <a:spcAft>
-          <a:spcPct val="0"/>
-        </a:spcAft>
-        <a:defRPr sz="4800">
-          <a:solidFill>
-            <a:schemeClr val="tx1"/>
-          </a:solidFill>
-          <a:latin typeface="Calibri Light" panose="020F0302020204030204" pitchFamily="34" charset="0"/>
-        </a:defRPr>
-      </a:lvl9pPr>
-    </p:titleStyle>
-    <p:bodyStyle>
-      <a:lvl1pPr marL="250825" indent="-250825" algn="l" defTabSz="1006475" rtl="0" eaLnBrk="0" fontAlgn="base" hangingPunct="0">
-        <a:lnSpc>
-          <a:spcPct val="90000"/>
-        </a:lnSpc>
-        <a:spcBef>
-          <a:spcPts val="1100"/>
-        </a:spcBef>
-        <a:spcAft>
-          <a:spcPct val="0"/>
-        </a:spcAft>
-        <a:buFont typeface="Arial" panose="020B0604020202020204" pitchFamily="34" charset="0"/>
-        <a:buChar char="•"/>
-        <a:defRPr sz="3000" kern="1200">
-          <a:solidFill>
-            <a:schemeClr val="tx1"/>
-          </a:solidFill>
-          <a:latin typeface="+mn-lt"/>
-          <a:ea typeface="+mn-ea"/>
-          <a:cs typeface="+mn-cs"/>
-        </a:defRPr>
-      </a:lvl1pPr>
-      <a:lvl2pPr marL="754063" indent="-250825" algn="l" defTabSz="1006475" rtl="0" eaLnBrk="0" fontAlgn="base" hangingPunct="0">
-        <a:lnSpc>
-          <a:spcPct val="90000"/>
-        </a:lnSpc>
-        <a:spcBef>
-          <a:spcPts val="550"/>
-        </a:spcBef>
-        <a:spcAft>
-          <a:spcPct val="0"/>
-        </a:spcAft>
-        <a:buFont typeface="Arial" panose="020B0604020202020204" pitchFamily="34" charset="0"/>
-        <a:buChar char="•"/>
-        <a:defRPr sz="2600" kern="1200">
-          <a:solidFill>
-            <a:schemeClr val="tx1"/>
-          </a:solidFill>
-          <a:latin typeface="+mn-lt"/>
-          <a:ea typeface="+mn-ea"/>
-          <a:cs typeface="+mn-cs"/>
-        </a:defRPr>
-      </a:lvl2pPr>
-      <a:lvl3pPr marL="1258888" indent="-250825" algn="l" defTabSz="1006475" rtl="0" eaLnBrk="0" fontAlgn="base" hangingPunct="0">
-        <a:lnSpc>
-          <a:spcPct val="90000"/>
-        </a:lnSpc>
-        <a:spcBef>
-          <a:spcPts val="550"/>
-        </a:spcBef>
-        <a:spcAft>
-          <a:spcPct val="0"/>
-        </a:spcAft>
-        <a:buFont typeface="Arial" panose="020B0604020202020204" pitchFamily="34" charset="0"/>
-        <a:buChar char="•"/>
-        <a:defRPr sz="2200" kern="1200">
-          <a:solidFill>
-            <a:schemeClr val="tx1"/>
-          </a:solidFill>
-          <a:latin typeface="+mn-lt"/>
-          <a:ea typeface="+mn-ea"/>
-          <a:cs typeface="+mn-cs"/>
-        </a:defRPr>
-      </a:lvl3pPr>
-      <a:lvl4pPr marL="1762125" indent="-250825" algn="l" defTabSz="1006475" rtl="0" eaLnBrk="0" fontAlgn="base" hangingPunct="0">
-        <a:lnSpc>
-          <a:spcPct val="90000"/>
-        </a:lnSpc>
-        <a:spcBef>
-          <a:spcPts val="550"/>
-        </a:spcBef>
-        <a:spcAft>
-          <a:spcPct val="0"/>
-        </a:spcAft>
-        <a:buFont typeface="Arial" panose="020B0604020202020204" pitchFamily="34" charset="0"/>
-        <a:buChar char="•"/>
-        <a:defRPr sz="1900" kern="1200">
-          <a:solidFill>
-            <a:schemeClr val="tx1"/>
-          </a:solidFill>
-          <a:latin typeface="+mn-lt"/>
-          <a:ea typeface="+mn-ea"/>
-          <a:cs typeface="+mn-cs"/>
-        </a:defRPr>
-      </a:lvl4pPr>
-      <a:lvl5pPr marL="2265363" indent="-250825" algn="l" defTabSz="1006475" rtl="0" eaLnBrk="0" fontAlgn="base" hangingPunct="0">
-        <a:lnSpc>
-          <a:spcPct val="90000"/>
-        </a:lnSpc>
-        <a:spcBef>
-          <a:spcPts val="550"/>
-        </a:spcBef>
-        <a:spcAft>
-          <a:spcPct val="0"/>
-        </a:spcAft>
-        <a:buFont typeface="Arial" panose="020B0604020202020204" pitchFamily="34" charset="0"/>
-        <a:buChar char="•"/>
-        <a:defRPr sz="1900" kern="1200">
-          <a:solidFill>
-            <a:schemeClr val="tx1"/>
-          </a:solidFill>
-          <a:latin typeface="+mn-lt"/>
-          <a:ea typeface="+mn-ea"/>
-          <a:cs typeface="+mn-cs"/>
-        </a:defRPr>
-      </a:lvl5pPr>
-      <a:lvl6pPr marL="2770586" indent="-251871" algn="l" defTabSz="1007486" rtl="0" eaLnBrk="1" latinLnBrk="0" hangingPunct="1">
-        <a:lnSpc>
-          <a:spcPct val="90000"/>
-        </a:lnSpc>
-        <a:spcBef>
-          <a:spcPts val="551"/>
-        </a:spcBef>
-        <a:buFont typeface="Arial" panose="020B0604020202020204" pitchFamily="34" charset="0"/>
-        <a:buChar char="•"/>
-        <a:defRPr sz="1983" kern="1200">
-          <a:solidFill>
-            <a:schemeClr val="tx1"/>
-          </a:solidFill>
-          <a:latin typeface="+mn-lt"/>
-          <a:ea typeface="+mn-ea"/>
-          <a:cs typeface="+mn-cs"/>
-        </a:defRPr>
-      </a:lvl6pPr>
-      <a:lvl7pPr marL="3274329" indent="-251871" algn="l" defTabSz="1007486" rtl="0" eaLnBrk="1" latinLnBrk="0" hangingPunct="1">
-        <a:lnSpc>
-          <a:spcPct val="90000"/>
-        </a:lnSpc>
-        <a:spcBef>
-          <a:spcPts val="551"/>
-        </a:spcBef>
-        <a:buFont typeface="Arial" panose="020B0604020202020204" pitchFamily="34" charset="0"/>
-        <a:buChar char="•"/>
-        <a:defRPr sz="1983" kern="1200">
-          <a:solidFill>
-            <a:schemeClr val="tx1"/>
-          </a:solidFill>
-          <a:latin typeface="+mn-lt"/>
-          <a:ea typeface="+mn-ea"/>
-          <a:cs typeface="+mn-cs"/>
-        </a:defRPr>
-      </a:lvl7pPr>
-      <a:lvl8pPr marL="3778072" indent="-251871" algn="l" defTabSz="1007486" rtl="0" eaLnBrk="1" latinLnBrk="0" hangingPunct="1">
-        <a:lnSpc>
-          <a:spcPct val="90000"/>
-        </a:lnSpc>
-        <a:spcBef>
-          <a:spcPts val="551"/>
-        </a:spcBef>
-        <a:buFont typeface="Arial" panose="020B0604020202020204" pitchFamily="34" charset="0"/>
-        <a:buChar char="•"/>
-        <a:defRPr sz="1983" kern="1200">
-          <a:solidFill>
-            <a:schemeClr val="tx1"/>
-          </a:solidFill>
-          <a:latin typeface="+mn-lt"/>
-          <a:ea typeface="+mn-ea"/>
-          <a:cs typeface="+mn-cs"/>
-        </a:defRPr>
-      </a:lvl8pPr>
-      <a:lvl9pPr marL="4281815" indent="-251871" algn="l" defTabSz="1007486" rtl="0" eaLnBrk="1" latinLnBrk="0" hangingPunct="1">
-        <a:lnSpc>
-          <a:spcPct val="90000"/>
-        </a:lnSpc>
-        <a:spcBef>
-          <a:spcPts val="551"/>
-        </a:spcBef>
-        <a:buFont typeface="Arial" panose="020B0604020202020204" pitchFamily="34" charset="0"/>
-        <a:buChar char="•"/>
-        <a:defRPr sz="1983" kern="1200">
-          <a:solidFill>
-            <a:schemeClr val="tx1"/>
-          </a:solidFill>
-          <a:latin typeface="+mn-lt"/>
-          <a:ea typeface="+mn-ea"/>
-          <a:cs typeface="+mn-cs"/>
-        </a:defRPr>
-      </a:lvl9pPr>
-    </p:bodyStyle>
-    <p:otherStyle>
-      <a:defPPr>
-        <a:defRPr lang="en-US"/>
-      </a:defPPr>
-      <a:lvl1pPr marL="0" algn="l" defTabSz="1007486" rtl="0" eaLnBrk="1" latinLnBrk="0" hangingPunct="1">
-        <a:defRPr sz="1983" kern="1200">
-          <a:solidFill>
-            <a:schemeClr val="tx1"/>
-          </a:solidFill>
-          <a:latin typeface="+mn-lt"/>
-          <a:ea typeface="+mn-ea"/>
-          <a:cs typeface="+mn-cs"/>
-        </a:defRPr>
-      </a:lvl1pPr>
-      <a:lvl2pPr marL="503743" algn="l" defTabSz="1007486" rtl="0" eaLnBrk="1" latinLnBrk="0" hangingPunct="1">
-        <a:defRPr sz="1983" kern="1200">
-          <a:solidFill>
-            <a:schemeClr val="tx1"/>
-          </a:solidFill>
-          <a:latin typeface="+mn-lt"/>
-          <a:ea typeface="+mn-ea"/>
-          <a:cs typeface="+mn-cs"/>
-        </a:defRPr>
-      </a:lvl2pPr>
-      <a:lvl3pPr marL="1007486" algn="l" defTabSz="1007486" rtl="0" eaLnBrk="1" latinLnBrk="0" hangingPunct="1">
-        <a:defRPr sz="1983" kern="1200">
-          <a:solidFill>
-            <a:schemeClr val="tx1"/>
-          </a:solidFill>
-          <a:latin typeface="+mn-lt"/>
-          <a:ea typeface="+mn-ea"/>
-          <a:cs typeface="+mn-cs"/>
-        </a:defRPr>
-      </a:lvl3pPr>
-      <a:lvl4pPr marL="1511229" algn="l" defTabSz="1007486" rtl="0" eaLnBrk="1" latinLnBrk="0" hangingPunct="1">
-        <a:defRPr sz="1983" kern="1200">
-          <a:solidFill>
-            <a:schemeClr val="tx1"/>
-          </a:solidFill>
-          <a:latin typeface="+mn-lt"/>
-          <a:ea typeface="+mn-ea"/>
-          <a:cs typeface="+mn-cs"/>
-        </a:defRPr>
-      </a:lvl4pPr>
-      <a:lvl5pPr marL="2014972" algn="l" defTabSz="1007486" rtl="0" eaLnBrk="1" latinLnBrk="0" hangingPunct="1">
-        <a:defRPr sz="1983" kern="1200">
-          <a:solidFill>
-            <a:schemeClr val="tx1"/>
-          </a:solidFill>
-          <a:latin typeface="+mn-lt"/>
-          <a:ea typeface="+mn-ea"/>
-          <a:cs typeface="+mn-cs"/>
-        </a:defRPr>
-      </a:lvl5pPr>
-      <a:lvl6pPr marL="2518715" algn="l" defTabSz="1007486" rtl="0" eaLnBrk="1" latinLnBrk="0" hangingPunct="1">
-        <a:defRPr sz="1983" kern="1200">
-          <a:solidFill>
-            <a:schemeClr val="tx1"/>
-          </a:solidFill>
-          <a:latin typeface="+mn-lt"/>
-          <a:ea typeface="+mn-ea"/>
-          <a:cs typeface="+mn-cs"/>
-        </a:defRPr>
-      </a:lvl6pPr>
-      <a:lvl7pPr marL="3022458" algn="l" defTabSz="1007486" rtl="0" eaLnBrk="1" latinLnBrk="0" hangingPunct="1">
-        <a:defRPr sz="1983" kern="1200">
-          <a:solidFill>
-            <a:schemeClr val="tx1"/>
-          </a:solidFill>
-          <a:latin typeface="+mn-lt"/>
-          <a:ea typeface="+mn-ea"/>
-          <a:cs typeface="+mn-cs"/>
-        </a:defRPr>
-      </a:lvl7pPr>
-      <a:lvl8pPr marL="3526201" algn="l" defTabSz="1007486" rtl="0" eaLnBrk="1" latinLnBrk="0" hangingPunct="1">
-        <a:defRPr sz="1983" kern="1200">
-          <a:solidFill>
-            <a:schemeClr val="tx1"/>
-          </a:solidFill>
-          <a:latin typeface="+mn-lt"/>
-          <a:ea typeface="+mn-ea"/>
-          <a:cs typeface="+mn-cs"/>
-        </a:defRPr>
-      </a:lvl8pPr>
-      <a:lvl9pPr marL="4029944" algn="l" defTabSz="1007486" rtl="0" eaLnBrk="1" latinLnBrk="0" hangingPunct="1">
-        <a:defRPr sz="1983" kern="1200">
-          <a:solidFill>
-            <a:schemeClr val="tx1"/>
-          </a:solidFill>
-          <a:latin typeface="+mn-lt"/>
-          <a:ea typeface="+mn-ea"/>
-          <a:cs typeface="+mn-cs"/>
-        </a:defRPr>
-      </a:lvl9pPr>
-    </p:otherStyle>
-  </p:txStyles>
-</p:sldMaster>
-</file>
-
-<file path=ppt/slideMasters/slideMaster2.xml><?xml version="1.0" encoding="utf-8"?>
-<p:sldMaster xmlns:a="http://schemas.openxmlformats.org/drawingml/2006/main" xmlns:r="http://schemas.openxmlformats.org/officeDocument/2006/relationships" xmlns:p="http://schemas.openxmlformats.org/presentationml/2006/main">
-  <p:cSld>
-    <p:bg>
-      <p:bgPr>
-        <a:blipFill dpi="0" rotWithShape="0">
-          <a:blip r:embed="rId13"/>
-          <a:srcRect/>
-          <a:stretch>
-            <a:fillRect/>
-          </a:stretch>
-        </a:blipFill>
-        <a:effectLst/>
-      </p:bgPr>
-    </p:bg>
-    <p:spTree>
-      <p:nvGrpSpPr>
-        <p:cNvPr id="1" name=""/>
-        <p:cNvGrpSpPr/>
-        <p:nvPr/>
-      </p:nvGrpSpPr>
-      <p:grpSpPr>
-        <a:xfrm>
-          <a:off x="0" y="0"/>
-          <a:ext cx="0" cy="0"/>
-          <a:chOff x="0" y="0"/>
-          <a:chExt cx="0" cy="0"/>
-        </a:xfrm>
-      </p:grpSpPr>
-      <p:sp>
-        <p:nvSpPr>
-          <p:cNvPr id="2050" name="Title Placeholder 1">
-            <a:extLst>
-              <a:ext uri="{FF2B5EF4-FFF2-40B4-BE49-F238E27FC236}">
-                <a16:creationId xmlns:a16="http://schemas.microsoft.com/office/drawing/2014/main" id="{B10DFD90-5076-4A7C-871C-7186341AA381}"/>
-              </a:ext>
-            </a:extLst>
-          </p:cNvPr>
-          <p:cNvSpPr>
-            <a:spLocks noGrp="1"/>
-          </p:cNvSpPr>
-          <p:nvPr>
-            <p:ph type="title"/>
-          </p:nvPr>
-        </p:nvSpPr>
-        <p:spPr bwMode="auto">
-          <a:xfrm>
-            <a:off x="923925" y="401638"/>
-            <a:ext cx="11585575" cy="1460500"/>
-          </a:xfrm>
-          <a:prstGeom prst="rect">
-            <a:avLst/>
-          </a:prstGeom>
-          <a:noFill/>
-          <a:ln>
-            <a:noFill/>
-          </a:ln>
-          <a:extLst>
-            <a:ext uri="{909E8E84-426E-40DD-AFC4-6F175D3DCCD1}">
-              <a14:hiddenFill xmlns:a14="http://schemas.microsoft.com/office/drawing/2010/main">
-                <a:solidFill>
-                  <a:srgbClr val="FFFFFF"/>
-                </a:solidFill>
-              </a14:hiddenFill>
-            </a:ext>
-            <a:ext uri="{91240B29-F687-4F45-9708-019B960494DF}">
-              <a14:hiddenLine xmlns:a14="http://schemas.microsoft.com/office/drawing/2010/main" w="9525">
-                <a:solidFill>
-                  <a:srgbClr val="000000"/>
-                </a:solidFill>
-                <a:miter lim="800000"/>
-                <a:headEnd/>
-                <a:tailEnd/>
-              </a14:hiddenLine>
-            </a:ext>
-          </a:extLst>
-        </p:spPr>
-        <p:txBody>
-          <a:bodyPr vert="horz" wrap="square" lIns="91440" tIns="45720" rIns="91440" bIns="45720" numCol="1" anchor="ctr" anchorCtr="0" compatLnSpc="1">
-            <a:prstTxWarp prst="textNoShape">
-              <a:avLst/>
-            </a:prstTxWarp>
-          </a:bodyPr>
-          <a:lstStyle/>
-          <a:p>
-            <a:pPr lvl="0"/>
-            <a:r>
-              <a:rPr lang="pl-PL" altLang="pl-PL"/>
-              <a:t>Kliknij, aby edytować styl</a:t>
-            </a:r>
-            <a:endParaRPr lang="en-US" altLang="pl-PL"/>
-          </a:p>
-        </p:txBody>
-      </p:sp>
-      <p:sp>
-        <p:nvSpPr>
-          <p:cNvPr id="2051" name="Text Placeholder 2">
-            <a:extLst>
-              <a:ext uri="{FF2B5EF4-FFF2-40B4-BE49-F238E27FC236}">
-                <a16:creationId xmlns:a16="http://schemas.microsoft.com/office/drawing/2014/main" id="{6BFBD573-B721-EC42-B5A5-1EE55EE9DEE2}"/>
-              </a:ext>
-            </a:extLst>
-          </p:cNvPr>
-          <p:cNvSpPr>
-            <a:spLocks noGrp="1"/>
-          </p:cNvSpPr>
-          <p:nvPr>
-            <p:ph type="body" idx="1"/>
-          </p:nvPr>
-        </p:nvSpPr>
-        <p:spPr bwMode="auto">
-          <a:xfrm>
-            <a:off x="923925" y="2011363"/>
-            <a:ext cx="11585575" cy="4794250"/>
-          </a:xfrm>
-          <a:prstGeom prst="rect">
-            <a:avLst/>
-          </a:prstGeom>
-          <a:noFill/>
-          <a:ln>
-            <a:noFill/>
-          </a:ln>
-          <a:extLst>
-            <a:ext uri="{909E8E84-426E-40DD-AFC4-6F175D3DCCD1}">
-              <a14:hiddenFill xmlns:a14="http://schemas.microsoft.com/office/drawing/2010/main">
-                <a:solidFill>
-                  <a:srgbClr val="FFFFFF"/>
-                </a:solidFill>
-              </a14:hiddenFill>
-            </a:ext>
-            <a:ext uri="{91240B29-F687-4F45-9708-019B960494DF}">
-              <a14:hiddenLine xmlns:a14="http://schemas.microsoft.com/office/drawing/2010/main" w="9525">
-                <a:solidFill>
-                  <a:srgbClr val="000000"/>
-                </a:solidFill>
-                <a:miter lim="800000"/>
-                <a:headEnd/>
-                <a:tailEnd/>
-              </a14:hiddenLine>
-            </a:ext>
-          </a:extLst>
-        </p:spPr>
-        <p:txBody>
-          <a:bodyPr vert="horz" wrap="square" lIns="91440" tIns="45720" rIns="91440" bIns="45720" numCol="1" anchor="t" anchorCtr="0" compatLnSpc="1">
-            <a:prstTxWarp prst="textNoShape">
-              <a:avLst/>
-            </a:prstTxWarp>
-          </a:bodyPr>
-          <a:lstStyle/>
-          <a:p>
-            <a:pPr lvl="0"/>
-            <a:r>
-              <a:rPr lang="pl-PL" altLang="pl-PL"/>
-              <a:t>Kliknij, aby edytować style wzorca tekstu</a:t>
-            </a:r>
-          </a:p>
-          <a:p>
-            <a:pPr lvl="1"/>
-            <a:r>
-              <a:rPr lang="pl-PL" altLang="pl-PL"/>
-              <a:t>Drugi poziom</a:t>
-            </a:r>
-          </a:p>
-          <a:p>
-            <a:pPr lvl="2"/>
-            <a:r>
-              <a:rPr lang="pl-PL" altLang="pl-PL"/>
-              <a:t>Trzeci poziom</a:t>
-            </a:r>
-          </a:p>
-          <a:p>
-            <a:pPr lvl="3"/>
-            <a:r>
-              <a:rPr lang="pl-PL" altLang="pl-PL"/>
-              <a:t>Czwarty poziom</a:t>
-            </a:r>
-          </a:p>
-          <a:p>
-            <a:pPr lvl="4"/>
-            <a:r>
-              <a:rPr lang="pl-PL" altLang="pl-PL"/>
-              <a:t>Piąty poziom</a:t>
-            </a:r>
-            <a:endParaRPr lang="en-US" altLang="pl-PL"/>
-          </a:p>
-        </p:txBody>
-      </p:sp>
-      <p:sp>
-        <p:nvSpPr>
-          <p:cNvPr id="4" name="Date Placeholder 3">
-            <a:extLst>
-              <a:ext uri="{FF2B5EF4-FFF2-40B4-BE49-F238E27FC236}">
-                <a16:creationId xmlns:a16="http://schemas.microsoft.com/office/drawing/2014/main" id="{010F10E9-909A-4175-BC36-9C9947FC2AFA}"/>
-              </a:ext>
-            </a:extLst>
-          </p:cNvPr>
-          <p:cNvSpPr>
-            <a:spLocks noGrp="1"/>
-          </p:cNvSpPr>
-          <p:nvPr>
-            <p:ph type="dt" sz="half" idx="2"/>
-          </p:nvPr>
-        </p:nvSpPr>
-        <p:spPr>
-          <a:xfrm>
-            <a:off x="923925" y="7004050"/>
-            <a:ext cx="3022600" cy="401638"/>
-          </a:xfrm>
-          <a:prstGeom prst="rect">
-            <a:avLst/>
-          </a:prstGeom>
-        </p:spPr>
-        <p:txBody>
-          <a:bodyPr vert="horz" lIns="91440" tIns="45720" rIns="91440" bIns="45720" rtlCol="0" anchor="ctr"/>
-          <a:lstStyle>
-            <a:lvl1pPr algn="l">
-              <a:defRPr sz="1322">
-                <a:solidFill>
-                  <a:schemeClr val="tx1">
-                    <a:tint val="75000"/>
-                  </a:schemeClr>
-                </a:solidFill>
-              </a:defRPr>
-            </a:lvl1pPr>
-          </a:lstStyle>
-          <a:p>
-            <a:pPr>
-              <a:defRPr/>
-            </a:pPr>
-            <a:fld id="{A2245FA0-ACDF-DD4C-BECE-019F73BEDCAE}" type="datetimeFigureOut">
-              <a:rPr lang="en-US"/>
-              <a:pPr>
-                <a:defRPr/>
-              </a:pPr>
-              <a:t>1/20/25</a:t>
-            </a:fld>
-            <a:endParaRPr lang="en-US"/>
-          </a:p>
-        </p:txBody>
-      </p:sp>
-      <p:sp>
-        <p:nvSpPr>
-          <p:cNvPr id="5" name="Footer Placeholder 4">
-            <a:extLst>
-              <a:ext uri="{FF2B5EF4-FFF2-40B4-BE49-F238E27FC236}">
-                <a16:creationId xmlns:a16="http://schemas.microsoft.com/office/drawing/2014/main" id="{60F47C4B-5A6A-40EA-BE76-64D5DBD85A26}"/>
-              </a:ext>
-            </a:extLst>
-          </p:cNvPr>
-          <p:cNvSpPr>
-            <a:spLocks noGrp="1"/>
-          </p:cNvSpPr>
-          <p:nvPr>
-            <p:ph type="ftr" sz="quarter" idx="3"/>
-          </p:nvPr>
-        </p:nvSpPr>
-        <p:spPr>
-          <a:xfrm>
-            <a:off x="4449763" y="7004050"/>
-            <a:ext cx="4533900" cy="401638"/>
-          </a:xfrm>
-          <a:prstGeom prst="rect">
-            <a:avLst/>
-          </a:prstGeom>
-        </p:spPr>
-        <p:txBody>
-          <a:bodyPr vert="horz" lIns="91440" tIns="45720" rIns="91440" bIns="45720" rtlCol="0" anchor="ctr"/>
-          <a:lstStyle>
-            <a:lvl1pPr algn="ctr">
-              <a:defRPr sz="1322">
-                <a:solidFill>
-                  <a:schemeClr val="tx1">
-                    <a:tint val="75000"/>
-                  </a:schemeClr>
-                </a:solidFill>
-              </a:defRPr>
-            </a:lvl1pPr>
-          </a:lstStyle>
-          <a:p>
-            <a:pPr>
-              <a:defRPr/>
-            </a:pPr>
-            <a:endParaRPr lang="en-US"/>
-          </a:p>
-        </p:txBody>
-      </p:sp>
-      <p:sp>
-        <p:nvSpPr>
-          <p:cNvPr id="6" name="Slide Number Placeholder 5">
-            <a:extLst>
-              <a:ext uri="{FF2B5EF4-FFF2-40B4-BE49-F238E27FC236}">
-                <a16:creationId xmlns:a16="http://schemas.microsoft.com/office/drawing/2014/main" id="{7F798E38-02C6-4206-8187-09BD3132A923}"/>
-              </a:ext>
-            </a:extLst>
-          </p:cNvPr>
-          <p:cNvSpPr>
-            <a:spLocks noGrp="1"/>
-          </p:cNvSpPr>
-          <p:nvPr>
-            <p:ph type="sldNum" sz="quarter" idx="4"/>
-          </p:nvPr>
-        </p:nvSpPr>
-        <p:spPr>
-          <a:xfrm>
-            <a:off x="9486900" y="7004050"/>
-            <a:ext cx="3022600" cy="401638"/>
-          </a:xfrm>
-          <a:prstGeom prst="rect">
-            <a:avLst/>
-          </a:prstGeom>
-        </p:spPr>
-        <p:txBody>
-          <a:bodyPr vert="horz" wrap="square" lIns="91440" tIns="45720" rIns="91440" bIns="45720" numCol="1" anchor="ctr" anchorCtr="0" compatLnSpc="1">
-            <a:prstTxWarp prst="textNoShape">
-              <a:avLst/>
-            </a:prstTxWarp>
-          </a:bodyPr>
-          <a:lstStyle>
-            <a:lvl1pPr algn="r">
-              <a:defRPr sz="1300">
-                <a:solidFill>
-                  <a:srgbClr val="898989"/>
-                </a:solidFill>
-              </a:defRPr>
-            </a:lvl1pPr>
-          </a:lstStyle>
-          <a:p>
-            <a:fld id="{4B2A3008-9B3C-7D41-B5C7-BA4945C031F5}" type="slidenum">
-              <a:rPr lang="en-US" altLang="pl-PL"/>
-              <a:pPr/>
-              <a:t>‹#›</a:t>
-            </a:fld>
-            <a:endParaRPr lang="en-US" altLang="pl-PL"/>
-          </a:p>
-        </p:txBody>
-      </p:sp>
-    </p:spTree>
-  </p:cSld>
-  <p:clrMap bg1="lt1" tx1="dk1" bg2="lt2" tx2="dk2" accent1="accent1" accent2="accent2" accent3="accent3" accent4="accent4" accent5="accent5" accent6="accent6" hlink="hlink" folHlink="folHlink"/>
-  <p:sldLayoutIdLst>
-    <p:sldLayoutId id="2147483696" r:id="rId1"/>
-    <p:sldLayoutId id="2147483697" r:id="rId2"/>
-    <p:sldLayoutId id="2147483698" r:id="rId3"/>
-    <p:sldLayoutId id="2147483699" r:id="rId4"/>
-    <p:sldLayoutId id="2147483700" r:id="rId5"/>
-    <p:sldLayoutId id="2147483701" r:id="rId6"/>
-    <p:sldLayoutId id="2147483702" r:id="rId7"/>
-    <p:sldLayoutId id="2147483703" r:id="rId8"/>
-    <p:sldLayoutId id="2147483704" r:id="rId9"/>
-    <p:sldLayoutId id="2147483705" r:id="rId10"/>
-    <p:sldLayoutId id="2147483706" r:id="rId11"/>
   </p:sldLayoutIdLst>
   <p:txStyles>
     <p:titleStyle>
@@ -10310,418 +6773,6 @@
 </p:sld>
 </file>
 
-<file path=ppt/slides/slide8.xml><?xml version="1.0" encoding="utf-8"?>
-<p:sld xmlns:a="http://schemas.openxmlformats.org/drawingml/2006/main" xmlns:r="http://schemas.openxmlformats.org/officeDocument/2006/relationships" xmlns:p="http://schemas.openxmlformats.org/presentationml/2006/main">
-  <p:cSld>
-    <p:spTree>
-      <p:nvGrpSpPr>
-        <p:cNvPr id="1" name=""/>
-        <p:cNvGrpSpPr/>
-        <p:nvPr/>
-      </p:nvGrpSpPr>
-      <p:grpSpPr>
-        <a:xfrm>
-          <a:off x="0" y="0"/>
-          <a:ext cx="0" cy="0"/>
-          <a:chOff x="0" y="0"/>
-          <a:chExt cx="0" cy="0"/>
-        </a:xfrm>
-      </p:grpSpPr>
-      <p:sp>
-        <p:nvSpPr>
-          <p:cNvPr id="5122" name="Prostokąt 2">
-            <a:hlinkClick r:id="rId2"/>
-            <a:extLst>
-              <a:ext uri="{FF2B5EF4-FFF2-40B4-BE49-F238E27FC236}">
-                <a16:creationId xmlns:a16="http://schemas.microsoft.com/office/drawing/2014/main" id="{168FFE31-868C-1C55-947A-038DBC453D81}"/>
-              </a:ext>
-            </a:extLst>
-          </p:cNvPr>
-          <p:cNvSpPr>
-            <a:spLocks noChangeArrowheads="1"/>
-          </p:cNvSpPr>
-          <p:nvPr/>
-        </p:nvSpPr>
-        <p:spPr bwMode="auto">
-          <a:xfrm>
-            <a:off x="2468563" y="7018338"/>
-            <a:ext cx="1800225" cy="461962"/>
-          </a:xfrm>
-          <a:prstGeom prst="rect">
-            <a:avLst/>
-          </a:prstGeom>
-          <a:noFill/>
-          <a:ln>
-            <a:noFill/>
-          </a:ln>
-          <a:extLst>
-            <a:ext uri="{909E8E84-426E-40DD-AFC4-6F175D3DCCD1}">
-              <a14:hiddenFill xmlns:a14="http://schemas.microsoft.com/office/drawing/2010/main">
-                <a:solidFill>
-                  <a:srgbClr val="FFFFFF"/>
-                </a:solidFill>
-              </a14:hiddenFill>
-            </a:ext>
-            <a:ext uri="{91240B29-F687-4F45-9708-019B960494DF}">
-              <a14:hiddenLine xmlns:a14="http://schemas.microsoft.com/office/drawing/2010/main" w="25400" algn="ctr">
-                <a:solidFill>
-                  <a:srgbClr val="000000"/>
-                </a:solidFill>
-                <a:round/>
-                <a:headEnd/>
-                <a:tailEnd/>
-              </a14:hiddenLine>
-            </a:ext>
-          </a:extLst>
-        </p:spPr>
-        <p:txBody>
-          <a:bodyPr lIns="45720" rIns="45720">
-            <a:spAutoFit/>
-          </a:bodyPr>
-          <a:lstStyle>
-            <a:lvl1pPr>
-              <a:defRPr sz="2400">
-                <a:solidFill>
-                  <a:srgbClr val="000000"/>
-                </a:solidFill>
-                <a:latin typeface="Arial" panose="020B0604020202020204" pitchFamily="34" charset="0"/>
-                <a:cs typeface="Arial" panose="020B0604020202020204" pitchFamily="34" charset="0"/>
-                <a:sym typeface="Arial" panose="020B0604020202020204" pitchFamily="34" charset="0"/>
-              </a:defRPr>
-            </a:lvl1pPr>
-            <a:lvl2pPr marL="742950" indent="-285750">
-              <a:defRPr sz="2400">
-                <a:solidFill>
-                  <a:srgbClr val="000000"/>
-                </a:solidFill>
-                <a:latin typeface="Arial" panose="020B0604020202020204" pitchFamily="34" charset="0"/>
-                <a:cs typeface="Arial" panose="020B0604020202020204" pitchFamily="34" charset="0"/>
-                <a:sym typeface="Arial" panose="020B0604020202020204" pitchFamily="34" charset="0"/>
-              </a:defRPr>
-            </a:lvl2pPr>
-            <a:lvl3pPr marL="1143000" indent="-228600">
-              <a:defRPr sz="2400">
-                <a:solidFill>
-                  <a:srgbClr val="000000"/>
-                </a:solidFill>
-                <a:latin typeface="Arial" panose="020B0604020202020204" pitchFamily="34" charset="0"/>
-                <a:cs typeface="Arial" panose="020B0604020202020204" pitchFamily="34" charset="0"/>
-                <a:sym typeface="Arial" panose="020B0604020202020204" pitchFamily="34" charset="0"/>
-              </a:defRPr>
-            </a:lvl3pPr>
-            <a:lvl4pPr marL="1600200" indent="-228600">
-              <a:defRPr sz="2400">
-                <a:solidFill>
-                  <a:srgbClr val="000000"/>
-                </a:solidFill>
-                <a:latin typeface="Arial" panose="020B0604020202020204" pitchFamily="34" charset="0"/>
-                <a:cs typeface="Arial" panose="020B0604020202020204" pitchFamily="34" charset="0"/>
-                <a:sym typeface="Arial" panose="020B0604020202020204" pitchFamily="34" charset="0"/>
-              </a:defRPr>
-            </a:lvl4pPr>
-            <a:lvl5pPr marL="2057400" indent="-228600">
-              <a:defRPr sz="2400">
-                <a:solidFill>
-                  <a:srgbClr val="000000"/>
-                </a:solidFill>
-                <a:latin typeface="Arial" panose="020B0604020202020204" pitchFamily="34" charset="0"/>
-                <a:cs typeface="Arial" panose="020B0604020202020204" pitchFamily="34" charset="0"/>
-                <a:sym typeface="Arial" panose="020B0604020202020204" pitchFamily="34" charset="0"/>
-              </a:defRPr>
-            </a:lvl5pPr>
-            <a:lvl6pPr marL="2514600" indent="-228600" eaLnBrk="0" fontAlgn="base" hangingPunct="0">
-              <a:spcBef>
-                <a:spcPct val="0"/>
-              </a:spcBef>
-              <a:spcAft>
-                <a:spcPct val="0"/>
-              </a:spcAft>
-              <a:defRPr sz="2400">
-                <a:solidFill>
-                  <a:srgbClr val="000000"/>
-                </a:solidFill>
-                <a:latin typeface="Arial" panose="020B0604020202020204" pitchFamily="34" charset="0"/>
-                <a:cs typeface="Arial" panose="020B0604020202020204" pitchFamily="34" charset="0"/>
-                <a:sym typeface="Arial" panose="020B0604020202020204" pitchFamily="34" charset="0"/>
-              </a:defRPr>
-            </a:lvl6pPr>
-            <a:lvl7pPr marL="2971800" indent="-228600" eaLnBrk="0" fontAlgn="base" hangingPunct="0">
-              <a:spcBef>
-                <a:spcPct val="0"/>
-              </a:spcBef>
-              <a:spcAft>
-                <a:spcPct val="0"/>
-              </a:spcAft>
-              <a:defRPr sz="2400">
-                <a:solidFill>
-                  <a:srgbClr val="000000"/>
-                </a:solidFill>
-                <a:latin typeface="Arial" panose="020B0604020202020204" pitchFamily="34" charset="0"/>
-                <a:cs typeface="Arial" panose="020B0604020202020204" pitchFamily="34" charset="0"/>
-                <a:sym typeface="Arial" panose="020B0604020202020204" pitchFamily="34" charset="0"/>
-              </a:defRPr>
-            </a:lvl7pPr>
-            <a:lvl8pPr marL="3429000" indent="-228600" eaLnBrk="0" fontAlgn="base" hangingPunct="0">
-              <a:spcBef>
-                <a:spcPct val="0"/>
-              </a:spcBef>
-              <a:spcAft>
-                <a:spcPct val="0"/>
-              </a:spcAft>
-              <a:defRPr sz="2400">
-                <a:solidFill>
-                  <a:srgbClr val="000000"/>
-                </a:solidFill>
-                <a:latin typeface="Arial" panose="020B0604020202020204" pitchFamily="34" charset="0"/>
-                <a:cs typeface="Arial" panose="020B0604020202020204" pitchFamily="34" charset="0"/>
-                <a:sym typeface="Arial" panose="020B0604020202020204" pitchFamily="34" charset="0"/>
-              </a:defRPr>
-            </a:lvl8pPr>
-            <a:lvl9pPr marL="3886200" indent="-228600" eaLnBrk="0" fontAlgn="base" hangingPunct="0">
-              <a:spcBef>
-                <a:spcPct val="0"/>
-              </a:spcBef>
-              <a:spcAft>
-                <a:spcPct val="0"/>
-              </a:spcAft>
-              <a:defRPr sz="2400">
-                <a:solidFill>
-                  <a:srgbClr val="000000"/>
-                </a:solidFill>
-                <a:latin typeface="Arial" panose="020B0604020202020204" pitchFamily="34" charset="0"/>
-                <a:cs typeface="Arial" panose="020B0604020202020204" pitchFamily="34" charset="0"/>
-                <a:sym typeface="Arial" panose="020B0604020202020204" pitchFamily="34" charset="0"/>
-              </a:defRPr>
-            </a:lvl9pPr>
-          </a:lstStyle>
-          <a:p>
-            <a:pPr eaLnBrk="1"/>
-            <a:endParaRPr lang="pl-PL" altLang="pl-PL"/>
-          </a:p>
-        </p:txBody>
-      </p:sp>
-      <p:sp>
-        <p:nvSpPr>
-          <p:cNvPr id="3" name="TextBox 2">
-            <a:extLst>
-              <a:ext uri="{FF2B5EF4-FFF2-40B4-BE49-F238E27FC236}">
-                <a16:creationId xmlns:a16="http://schemas.microsoft.com/office/drawing/2014/main" id="{B3B46898-D0C4-C44C-A3BB-7E69BED9F2E6}"/>
-              </a:ext>
-            </a:extLst>
-          </p:cNvPr>
-          <p:cNvSpPr txBox="1"/>
-          <p:nvPr/>
-        </p:nvSpPr>
-        <p:spPr>
-          <a:xfrm>
-            <a:off x="524024" y="1329978"/>
-            <a:ext cx="12169352" cy="2677656"/>
-          </a:xfrm>
-          <a:prstGeom prst="rect">
-            <a:avLst/>
-          </a:prstGeom>
-          <a:noFill/>
-        </p:spPr>
-        <p:txBody>
-          <a:bodyPr wrap="square">
-            <a:spAutoFit/>
-          </a:bodyPr>
-          <a:lstStyle/>
-          <a:p>
-            <a:pPr eaLnBrk="1"/>
-            <a:r>
-              <a:rPr lang="en-US" altLang="pl-PL" sz="2400" dirty="0" err="1"/>
-              <a:t>Implementacja</a:t>
-            </a:r>
-            <a:r>
-              <a:rPr lang="en-US" altLang="pl-PL" sz="2400" dirty="0"/>
-              <a:t> </a:t>
-            </a:r>
-            <a:r>
-              <a:rPr lang="en-US" altLang="pl-PL" sz="2400" dirty="0" err="1"/>
-              <a:t>mechanizmu</a:t>
-            </a:r>
-            <a:r>
-              <a:rPr lang="en-US" altLang="pl-PL" sz="2400" dirty="0"/>
-              <a:t> </a:t>
-            </a:r>
-            <a:r>
-              <a:rPr lang="en-US" altLang="pl-PL" sz="2400" dirty="0" err="1"/>
-              <a:t>równoważenia</a:t>
-            </a:r>
-            <a:r>
-              <a:rPr lang="en-US" altLang="pl-PL" sz="2400" dirty="0"/>
-              <a:t> </a:t>
-            </a:r>
-            <a:r>
-              <a:rPr lang="en-US" altLang="pl-PL" sz="2400" dirty="0" err="1"/>
-              <a:t>obciążenia</a:t>
-            </a:r>
-            <a:r>
-              <a:rPr lang="en-US" altLang="pl-PL" sz="2400" dirty="0"/>
-              <a:t> </a:t>
-            </a:r>
-            <a:br>
-              <a:rPr lang="en-US" altLang="pl-PL" sz="2400" dirty="0"/>
-            </a:br>
-            <a:r>
-              <a:rPr lang="en-US" altLang="pl-PL" sz="2400" dirty="0"/>
-              <a:t>w </a:t>
-            </a:r>
-            <a:r>
-              <a:rPr lang="en-US" altLang="pl-PL" sz="2400" dirty="0" err="1"/>
-              <a:t>Sieciach</a:t>
-            </a:r>
-            <a:r>
-              <a:rPr lang="en-US" altLang="pl-PL" sz="2400" dirty="0"/>
-              <a:t> SDN, </a:t>
-            </a:r>
-            <a:r>
-              <a:rPr lang="en-US" altLang="pl-PL" sz="2400" dirty="0" err="1"/>
-              <a:t>wykorzystując</a:t>
-            </a:r>
-            <a:r>
-              <a:rPr lang="en-US" altLang="pl-PL" sz="2400" dirty="0"/>
-              <a:t> </a:t>
-            </a:r>
-            <a:r>
-              <a:rPr lang="en-US" altLang="pl-PL" sz="2400" dirty="0" err="1"/>
-              <a:t>kontroler</a:t>
-            </a:r>
-            <a:r>
-              <a:rPr lang="en-US" altLang="pl-PL" sz="2400" dirty="0"/>
-              <a:t> POX </a:t>
-            </a:r>
-            <a:r>
-              <a:rPr lang="en-US" altLang="pl-PL" sz="2400" dirty="0" err="1"/>
-              <a:t>i</a:t>
-            </a:r>
-            <a:r>
-              <a:rPr lang="en-US" altLang="pl-PL" sz="2400" dirty="0"/>
-              <a:t> </a:t>
-            </a:r>
-            <a:r>
-              <a:rPr lang="en-US" altLang="pl-PL" sz="2400" dirty="0" err="1"/>
-              <a:t>algorytmu</a:t>
-            </a:r>
-            <a:r>
-              <a:rPr lang="en-US" altLang="pl-PL" sz="2400" dirty="0"/>
-              <a:t> Least Weighted Connections.</a:t>
-            </a:r>
-          </a:p>
-          <a:p>
-            <a:pPr eaLnBrk="1"/>
-            <a:r>
-              <a:rPr lang="en-US" altLang="pl-PL" dirty="0" err="1"/>
-              <a:t>Obrazek</a:t>
-            </a:r>
-            <a:r>
-              <a:rPr lang="en-US" altLang="pl-PL" dirty="0"/>
-              <a:t> – </a:t>
-            </a:r>
-            <a:r>
-              <a:rPr lang="en-US" altLang="pl-PL" dirty="0" err="1"/>
-              <a:t>topologi</a:t>
-            </a:r>
-            <a:endParaRPr lang="en-US" altLang="pl-PL" dirty="0"/>
-          </a:p>
-          <a:p>
-            <a:pPr eaLnBrk="1"/>
-            <a:r>
-              <a:rPr lang="en-US" altLang="pl-PL" sz="2400" dirty="0" err="1"/>
-              <a:t>Topologia</a:t>
-            </a:r>
-            <a:r>
-              <a:rPr lang="en-US" altLang="pl-PL" sz="2400" dirty="0"/>
-              <a:t> w </a:t>
-            </a:r>
-            <a:r>
-              <a:rPr lang="en-US" altLang="pl-PL" sz="2400" dirty="0" err="1"/>
-              <a:t>minine</a:t>
-            </a:r>
-            <a:r>
-              <a:rPr lang="en-US" altLang="pl-PL" dirty="0" err="1"/>
-              <a:t>t</a:t>
-            </a:r>
-            <a:r>
-              <a:rPr lang="en-US" altLang="pl-PL" dirty="0"/>
-              <a:t> </a:t>
-            </a:r>
-            <a:r>
-              <a:rPr lang="en-US" altLang="pl-PL" dirty="0" err="1"/>
-              <a:t>pokazac</a:t>
-            </a:r>
-            <a:r>
-              <a:rPr lang="en-US" altLang="pl-PL" dirty="0"/>
-              <a:t> ze </a:t>
-            </a:r>
-            <a:r>
-              <a:rPr lang="en-US" altLang="pl-PL" dirty="0" err="1"/>
-              <a:t>dziala</a:t>
-            </a:r>
-            <a:endParaRPr lang="en-US" altLang="pl-PL" dirty="0"/>
-          </a:p>
-          <a:p>
-            <a:pPr eaLnBrk="1"/>
-            <a:r>
-              <a:rPr lang="en-US" altLang="pl-PL" sz="2400" dirty="0" err="1"/>
-              <a:t>Konc</a:t>
-            </a:r>
-            <a:r>
-              <a:rPr lang="en-US" altLang="pl-PL" dirty="0" err="1"/>
-              <a:t>epcja</a:t>
-            </a:r>
-            <a:r>
-              <a:rPr lang="en-US" altLang="pl-PL" dirty="0"/>
-              <a:t> </a:t>
-            </a:r>
-            <a:r>
-              <a:rPr lang="en-US" altLang="pl-PL" dirty="0" err="1"/>
-              <a:t>generater</a:t>
-            </a:r>
-            <a:r>
-              <a:rPr lang="en-US" altLang="pl-PL" dirty="0"/>
-              <a:t>,</a:t>
-            </a:r>
-          </a:p>
-          <a:p>
-            <a:pPr eaLnBrk="1"/>
-            <a:r>
-              <a:rPr lang="en-US" altLang="pl-PL" sz="2400" dirty="0" err="1"/>
-              <a:t>Pseudokod</a:t>
-            </a:r>
-            <a:r>
-              <a:rPr lang="en-US" altLang="pl-PL" sz="2400" dirty="0"/>
-              <a:t>,</a:t>
-            </a:r>
-          </a:p>
-          <a:p>
-            <a:pPr eaLnBrk="1"/>
-            <a:r>
-              <a:rPr lang="en-US" altLang="pl-PL" dirty="0" err="1"/>
-              <a:t>Pokazanie</a:t>
-            </a:r>
-            <a:r>
-              <a:rPr lang="en-US" altLang="pl-PL" dirty="0"/>
-              <a:t> </a:t>
-            </a:r>
-            <a:r>
-              <a:rPr lang="en-US" altLang="pl-PL" dirty="0" err="1"/>
-              <a:t>pseudokowu</a:t>
-            </a:r>
-            <a:endParaRPr lang="en-US" altLang="pl-PL" sz="2400" dirty="0"/>
-          </a:p>
-        </p:txBody>
-      </p:sp>
-    </p:spTree>
-  </p:cSld>
-  <p:clrMapOvr>
-    <a:masterClrMapping/>
-  </p:clrMapOvr>
-  <p:transition spd="med"/>
-</p:sld>
-</file>
-
 <file path=ppt/theme/theme1.xml><?xml version="1.0" encoding="utf-8"?>
 <a:theme xmlns:a="http://schemas.openxmlformats.org/drawingml/2006/main" name="Blank Presentation - Default">
   <a:themeElements>
@@ -10984,267 +7035,6 @@
 </file>
 
 <file path=ppt/theme/theme2.xml><?xml version="1.0" encoding="utf-8"?>
-<a:theme xmlns:a="http://schemas.openxmlformats.org/drawingml/2006/main" name="Blank Presentation">
-  <a:themeElements>
-    <a:clrScheme name="Motyw pakietu Office">
-      <a:dk1>
-        <a:sysClr val="windowText" lastClr="000000"/>
-      </a:dk1>
-      <a:lt1>
-        <a:sysClr val="window" lastClr="FFFFFF"/>
-      </a:lt1>
-      <a:dk2>
-        <a:srgbClr val="44546A"/>
-      </a:dk2>
-      <a:lt2>
-        <a:srgbClr val="E7E6E6"/>
-      </a:lt2>
-      <a:accent1>
-        <a:srgbClr val="5B9BD5"/>
-      </a:accent1>
-      <a:accent2>
-        <a:srgbClr val="ED7D31"/>
-      </a:accent2>
-      <a:accent3>
-        <a:srgbClr val="A5A5A5"/>
-      </a:accent3>
-      <a:accent4>
-        <a:srgbClr val="FFC000"/>
-      </a:accent4>
-      <a:accent5>
-        <a:srgbClr val="4472C4"/>
-      </a:accent5>
-      <a:accent6>
-        <a:srgbClr val="70AD47"/>
-      </a:accent6>
-      <a:hlink>
-        <a:srgbClr val="0563C1"/>
-      </a:hlink>
-      <a:folHlink>
-        <a:srgbClr val="954F72"/>
-      </a:folHlink>
-    </a:clrScheme>
-    <a:fontScheme name="Motyw pakietu Office">
-      <a:majorFont>
-        <a:latin typeface="Calibri Light" panose="020F0302020204030204"/>
-        <a:ea typeface=""/>
-        <a:cs typeface=""/>
-        <a:font script="Jpan" typeface="ＭＳ Ｐゴシック"/>
-        <a:font script="Hang" typeface="맑은 고딕"/>
-        <a:font script="Hans" typeface="宋体"/>
-        <a:font script="Hant" typeface="新細明體"/>
-        <a:font script="Arab" typeface="Times New Roman"/>
-        <a:font script="Hebr" typeface="Times New Roman"/>
-        <a:font script="Thai" typeface="Angsana New"/>
-        <a:font script="Ethi" typeface="Nyala"/>
-        <a:font script="Beng" typeface="Vrinda"/>
-        <a:font script="Gujr" typeface="Shruti"/>
-        <a:font script="Khmr" typeface="MoolBoran"/>
-        <a:font script="Knda" typeface="Tunga"/>
-        <a:font script="Guru" typeface="Raavi"/>
-        <a:font script="Cans" typeface="Euphemia"/>
-        <a:font script="Cher" typeface="Plantagenet Cherokee"/>
-        <a:font script="Yiii" typeface="Microsoft Yi Baiti"/>
-        <a:font script="Tibt" typeface="Microsoft Himalaya"/>
-        <a:font script="Thaa" typeface="MV Boli"/>
-        <a:font script="Deva" typeface="Mangal"/>
-        <a:font script="Telu" typeface="Gautami"/>
-        <a:font script="Taml" typeface="Latha"/>
-        <a:font script="Syrc" typeface="Estrangelo Edessa"/>
-        <a:font script="Orya" typeface="Kalinga"/>
-        <a:font script="Mlym" typeface="Kartika"/>
-        <a:font script="Laoo" typeface="DokChampa"/>
-        <a:font script="Sinh" typeface="Iskoola Pota"/>
-        <a:font script="Mong" typeface="Mongolian Baiti"/>
-        <a:font script="Viet" typeface="Times New Roman"/>
-        <a:font script="Uigh" typeface="Microsoft Uighur"/>
-        <a:font script="Geor" typeface="Sylfaen"/>
-      </a:majorFont>
-      <a:minorFont>
-        <a:latin typeface="Calibri" panose="020F0502020204030204"/>
-        <a:ea typeface=""/>
-        <a:cs typeface=""/>
-        <a:font script="Jpan" typeface="ＭＳ Ｐゴシック"/>
-        <a:font script="Hang" typeface="맑은 고딕"/>
-        <a:font script="Hans" typeface="宋体"/>
-        <a:font script="Hant" typeface="新細明體"/>
-        <a:font script="Arab" typeface="Arial"/>
-        <a:font script="Hebr" typeface="Arial"/>
-        <a:font script="Thai" typeface="Cordia New"/>
-        <a:font script="Ethi" typeface="Nyala"/>
-        <a:font script="Beng" typeface="Vrinda"/>
-        <a:font script="Gujr" typeface="Shruti"/>
-        <a:font script="Khmr" typeface="DaunPenh"/>
-        <a:font script="Knda" typeface="Tunga"/>
-        <a:font script="Guru" typeface="Raavi"/>
-        <a:font script="Cans" typeface="Euphemia"/>
-        <a:font script="Cher" typeface="Plantagenet Cherokee"/>
-        <a:font script="Yiii" typeface="Microsoft Yi Baiti"/>
-        <a:font script="Tibt" typeface="Microsoft Himalaya"/>
-        <a:font script="Thaa" typeface="MV Boli"/>
-        <a:font script="Deva" typeface="Mangal"/>
-        <a:font script="Telu" typeface="Gautami"/>
-        <a:font script="Taml" typeface="Latha"/>
-        <a:font script="Syrc" typeface="Estrangelo Edessa"/>
-        <a:font script="Orya" typeface="Kalinga"/>
-        <a:font script="Mlym" typeface="Kartika"/>
-        <a:font script="Laoo" typeface="DokChampa"/>
-        <a:font script="Sinh" typeface="Iskoola Pota"/>
-        <a:font script="Mong" typeface="Mongolian Baiti"/>
-        <a:font script="Viet" typeface="Arial"/>
-        <a:font script="Uigh" typeface="Microsoft Uighur"/>
-        <a:font script="Geor" typeface="Sylfaen"/>
-      </a:minorFont>
-    </a:fontScheme>
-    <a:fmtScheme name="Motyw pakietu Office">
-      <a:fillStyleLst>
-        <a:solidFill>
-          <a:schemeClr val="phClr"/>
-        </a:solidFill>
-        <a:gradFill rotWithShape="1">
-          <a:gsLst>
-            <a:gs pos="0">
-              <a:schemeClr val="phClr">
-                <a:lumMod val="110000"/>
-                <a:satMod val="105000"/>
-                <a:tint val="67000"/>
-              </a:schemeClr>
-            </a:gs>
-            <a:gs pos="50000">
-              <a:schemeClr val="phClr">
-                <a:lumMod val="105000"/>
-                <a:satMod val="103000"/>
-                <a:tint val="73000"/>
-              </a:schemeClr>
-            </a:gs>
-            <a:gs pos="100000">
-              <a:schemeClr val="phClr">
-                <a:lumMod val="105000"/>
-                <a:satMod val="109000"/>
-                <a:tint val="81000"/>
-              </a:schemeClr>
-            </a:gs>
-          </a:gsLst>
-          <a:lin ang="5400000" scaled="0"/>
-        </a:gradFill>
-        <a:gradFill rotWithShape="1">
-          <a:gsLst>
-            <a:gs pos="0">
-              <a:schemeClr val="phClr">
-                <a:satMod val="103000"/>
-                <a:lumMod val="102000"/>
-                <a:tint val="94000"/>
-              </a:schemeClr>
-            </a:gs>
-            <a:gs pos="50000">
-              <a:schemeClr val="phClr">
-                <a:satMod val="110000"/>
-                <a:lumMod val="100000"/>
-                <a:shade val="100000"/>
-              </a:schemeClr>
-            </a:gs>
-            <a:gs pos="100000">
-              <a:schemeClr val="phClr">
-                <a:lumMod val="99000"/>
-                <a:satMod val="120000"/>
-                <a:shade val="78000"/>
-              </a:schemeClr>
-            </a:gs>
-          </a:gsLst>
-          <a:lin ang="5400000" scaled="0"/>
-        </a:gradFill>
-      </a:fillStyleLst>
-      <a:lnStyleLst>
-        <a:ln w="6350" cap="flat" cmpd="sng" algn="ctr">
-          <a:solidFill>
-            <a:schemeClr val="phClr"/>
-          </a:solidFill>
-          <a:prstDash val="solid"/>
-          <a:miter lim="800000"/>
-        </a:ln>
-        <a:ln w="12700" cap="flat" cmpd="sng" algn="ctr">
-          <a:solidFill>
-            <a:schemeClr val="phClr"/>
-          </a:solidFill>
-          <a:prstDash val="solid"/>
-          <a:miter lim="800000"/>
-        </a:ln>
-        <a:ln w="19050" cap="flat" cmpd="sng" algn="ctr">
-          <a:solidFill>
-            <a:schemeClr val="phClr"/>
-          </a:solidFill>
-          <a:prstDash val="solid"/>
-          <a:miter lim="800000"/>
-        </a:ln>
-      </a:lnStyleLst>
-      <a:effectStyleLst>
-        <a:effectStyle>
-          <a:effectLst/>
-        </a:effectStyle>
-        <a:effectStyle>
-          <a:effectLst/>
-        </a:effectStyle>
-        <a:effectStyle>
-          <a:effectLst>
-            <a:outerShdw blurRad="57150" dist="19050" dir="5400000" algn="ctr" rotWithShape="0">
-              <a:srgbClr val="000000">
-                <a:alpha val="63000"/>
-              </a:srgbClr>
-            </a:outerShdw>
-          </a:effectLst>
-        </a:effectStyle>
-      </a:effectStyleLst>
-      <a:bgFillStyleLst>
-        <a:solidFill>
-          <a:schemeClr val="phClr"/>
-        </a:solidFill>
-        <a:solidFill>
-          <a:schemeClr val="phClr">
-            <a:tint val="95000"/>
-            <a:satMod val="170000"/>
-          </a:schemeClr>
-        </a:solidFill>
-        <a:gradFill rotWithShape="1">
-          <a:gsLst>
-            <a:gs pos="0">
-              <a:schemeClr val="phClr">
-                <a:tint val="93000"/>
-                <a:satMod val="150000"/>
-                <a:shade val="98000"/>
-                <a:lumMod val="102000"/>
-              </a:schemeClr>
-            </a:gs>
-            <a:gs pos="50000">
-              <a:schemeClr val="phClr">
-                <a:tint val="98000"/>
-                <a:satMod val="130000"/>
-                <a:shade val="90000"/>
-                <a:lumMod val="103000"/>
-              </a:schemeClr>
-            </a:gs>
-            <a:gs pos="100000">
-              <a:schemeClr val="phClr">
-                <a:shade val="63000"/>
-                <a:satMod val="120000"/>
-              </a:schemeClr>
-            </a:gs>
-          </a:gsLst>
-          <a:lin ang="5400000" scaled="0"/>
-        </a:gradFill>
-      </a:bgFillStyleLst>
-    </a:fmtScheme>
-  </a:themeElements>
-  <a:objectDefaults/>
-  <a:extraClrSchemeLst/>
-  <a:extLst>
-    <a:ext uri="{05A4C25C-085E-4340-85A3-A5531E510DB2}">
-      <thm15:themeFamily xmlns:thm15="http://schemas.microsoft.com/office/thememl/2012/main" name="Office Theme" id="{62F939B6-93AF-4DB8-9C6B-D6C7DFDC589F}" vid="{4A3C46E8-61CC-4603-A589-7422A47A8E4A}"/>
-    </a:ext>
-  </a:extLst>
-</a:theme>
-</file>
-
-<file path=ppt/theme/theme3.xml><?xml version="1.0" encoding="utf-8"?>
 <a:theme xmlns:a="http://schemas.openxmlformats.org/drawingml/2006/main" name="Motyw pakietu Office">
   <a:themeElements>
     <a:clrScheme name="">
